--- a/fig/evangelism_dependencies_v01.pptx
+++ b/fig/evangelism_dependencies_v01.pptx
@@ -5,13 +5,14 @@
     <p:sldMasterId id="2147483660" r:id="rId1"/>
   </p:sldMasterIdLst>
   <p:notesMasterIdLst>
-    <p:notesMasterId r:id="rId3"/>
+    <p:notesMasterId r:id="rId4"/>
   </p:notesMasterIdLst>
   <p:handoutMasterIdLst>
-    <p:handoutMasterId r:id="rId4"/>
+    <p:handoutMasterId r:id="rId5"/>
   </p:handoutMasterIdLst>
   <p:sldIdLst>
     <p:sldId id="329" r:id="rId2"/>
+    <p:sldId id="330" r:id="rId3"/>
   </p:sldIdLst>
   <p:sldSz cx="9144000" cy="5143500" type="screen16x9"/>
   <p:notesSz cx="9144000" cy="6858000"/>
@@ -251,7 +252,7 @@
               <a:pPr>
                 <a:defRPr/>
               </a:pPr>
-              <a:t>7/13/16</a:t>
+              <a:t>7/21/16</a:t>
             </a:fld>
             <a:endParaRPr lang="en-US"/>
           </a:p>
@@ -465,7 +466,7 @@
               <a:pPr>
                 <a:defRPr/>
               </a:pPr>
-              <a:t>7/13/16</a:t>
+              <a:t>7/21/16</a:t>
             </a:fld>
             <a:endParaRPr lang="en-US"/>
           </a:p>
@@ -877,6 +878,96 @@
 </p:notes>
 </file>
 
+<file path=ppt/notesSlides/notesSlide2.xml><?xml version="1.0" encoding="utf-8"?>
+<p:notes xmlns:a="http://schemas.openxmlformats.org/drawingml/2006/main" xmlns:r="http://schemas.openxmlformats.org/officeDocument/2006/relationships" xmlns:p="http://schemas.openxmlformats.org/presentationml/2006/main">
+  <p:cSld>
+    <p:spTree>
+      <p:nvGrpSpPr>
+        <p:cNvPr id="1" name=""/>
+        <p:cNvGrpSpPr/>
+        <p:nvPr/>
+      </p:nvGrpSpPr>
+      <p:grpSpPr>
+        <a:xfrm>
+          <a:off x="0" y="0"/>
+          <a:ext cx="0" cy="0"/>
+          <a:chOff x="0" y="0"/>
+          <a:chExt cx="0" cy="0"/>
+        </a:xfrm>
+      </p:grpSpPr>
+      <p:sp>
+        <p:nvSpPr>
+          <p:cNvPr id="2" name="Slide Image Placeholder 1"/>
+          <p:cNvSpPr>
+            <a:spLocks noGrp="1" noRot="1" noChangeAspect="1"/>
+          </p:cNvSpPr>
+          <p:nvPr>
+            <p:ph type="sldImg"/>
+          </p:nvPr>
+        </p:nvSpPr>
+        <p:spPr/>
+      </p:sp>
+      <p:sp>
+        <p:nvSpPr>
+          <p:cNvPr id="3" name="Notes Placeholder 2"/>
+          <p:cNvSpPr>
+            <a:spLocks noGrp="1"/>
+          </p:cNvSpPr>
+          <p:nvPr>
+            <p:ph type="body" idx="1"/>
+          </p:nvPr>
+        </p:nvSpPr>
+        <p:spPr/>
+        <p:txBody>
+          <a:bodyPr/>
+          <a:lstStyle/>
+          <a:p>
+            <a:endParaRPr lang="en-US"/>
+          </a:p>
+        </p:txBody>
+      </p:sp>
+      <p:sp>
+        <p:nvSpPr>
+          <p:cNvPr id="4" name="Slide Number Placeholder 3"/>
+          <p:cNvSpPr>
+            <a:spLocks noGrp="1"/>
+          </p:cNvSpPr>
+          <p:nvPr>
+            <p:ph type="sldNum" sz="quarter" idx="10"/>
+          </p:nvPr>
+        </p:nvSpPr>
+        <p:spPr/>
+        <p:txBody>
+          <a:bodyPr/>
+          <a:lstStyle/>
+          <a:p>
+            <a:pPr>
+              <a:defRPr/>
+            </a:pPr>
+            <a:fld id="{631C2E65-C48E-EB49-B8DF-701DB40EA457}" type="slidenum">
+              <a:rPr lang="en-US" smtClean="0"/>
+              <a:pPr>
+                <a:defRPr/>
+              </a:pPr>
+              <a:t>2</a:t>
+            </a:fld>
+            <a:endParaRPr lang="en-US"/>
+          </a:p>
+        </p:txBody>
+      </p:sp>
+    </p:spTree>
+    <p:extLst>
+      <p:ext uri="{BB962C8B-B14F-4D97-AF65-F5344CB8AC3E}">
+        <p14:creationId xmlns:p14="http://schemas.microsoft.com/office/powerpoint/2010/main" val="886096411"/>
+      </p:ext>
+    </p:extLst>
+  </p:cSld>
+  <p:clrMapOvr>
+    <a:masterClrMapping/>
+  </p:clrMapOvr>
+</p:notes>
+</file>
+
 <file path=ppt/slideLayouts/slideLayout1.xml><?xml version="1.0" encoding="utf-8"?>
 <p:sldLayout xmlns:a="http://schemas.openxmlformats.org/drawingml/2006/main" xmlns:r="http://schemas.openxmlformats.org/officeDocument/2006/relationships" xmlns:p="http://schemas.openxmlformats.org/presentationml/2006/main" type="title" preserve="1">
   <p:cSld name="Title Slide">
@@ -1484,7 +1575,7 @@
               <a:pPr>
                 <a:defRPr/>
               </a:pPr>
-              <a:t>7/13/16</a:t>
+              <a:t>7/21/16</a:t>
             </a:fld>
             <a:endParaRPr lang="en-US"/>
           </a:p>
@@ -2262,15 +2353,7 @@
                 <a:ea typeface="Open Sans Light" charset="0"/>
                 <a:cs typeface="Open Sans Light"/>
               </a:rPr>
-              <a:t>pain </a:t>
-            </a:r>
-            <a:r>
-              <a:rPr lang="en-US" sz="1800" dirty="0" smtClean="0">
-                <a:latin typeface="Open Sans Light"/>
-                <a:ea typeface="Open Sans Light" charset="0"/>
-                <a:cs typeface="Open Sans Light"/>
-              </a:rPr>
-              <a:t>vs. solutions</a:t>
+              <a:t>pain vs. solutions</a:t>
             </a:r>
             <a:endParaRPr lang="en-US" sz="1800" dirty="0">
               <a:latin typeface="Open Sans Light"/>
@@ -2379,14 +2462,6 @@
                 <a:cs typeface="Open Sans Light"/>
               </a:rPr>
               <a:t>presento</a:t>
-            </a:r>
-            <a:r>
-              <a:rPr lang="en-US" sz="1800" dirty="0" smtClean="0">
-                <a:latin typeface="Open Sans Light"/>
-                <a:ea typeface="Open Sans Light" charset="0"/>
-                <a:cs typeface="Open Sans Light"/>
-              </a:rPr>
-              <a:t/>
             </a:r>
             <a:br>
               <a:rPr lang="en-US" sz="1800" dirty="0" smtClean="0">
@@ -2642,15 +2717,7 @@
                 <a:ea typeface="Open Sans Light" charset="0"/>
                 <a:cs typeface="Open Sans Light"/>
               </a:rPr>
-              <a:t>blog</a:t>
-            </a:r>
-            <a:r>
-              <a:rPr lang="en-US" sz="1800" dirty="0" smtClean="0">
-                <a:latin typeface="Open Sans Light"/>
-                <a:ea typeface="Open Sans Light" charset="0"/>
-                <a:cs typeface="Open Sans Light"/>
-              </a:rPr>
-              <a:t>, mag.</a:t>
+              <a:t>blog, mag.</a:t>
             </a:r>
             <a:r>
               <a:rPr lang="en-US" sz="1800" dirty="0">
@@ -2818,15 +2885,7 @@
                 <a:ea typeface="Open Sans Light" charset="0"/>
                 <a:cs typeface="Open Sans Light"/>
               </a:rPr>
-              <a:t>conf</a:t>
-            </a:r>
-            <a:r>
-              <a:rPr lang="en-US" sz="1800" dirty="0" smtClean="0">
-                <a:latin typeface="Open Sans Light"/>
-                <a:ea typeface="Open Sans Light" charset="0"/>
-                <a:cs typeface="Open Sans Light"/>
-              </a:rPr>
-              <a:t>. &amp; meetups</a:t>
+              <a:t>conf. &amp; meetups</a:t>
             </a:r>
             <a:endParaRPr lang="en-US" sz="1800" dirty="0">
               <a:latin typeface="Open Sans Light"/>
@@ -3039,15 +3098,7 @@
                 <a:ea typeface="Open Sans Light" charset="0"/>
                 <a:cs typeface="Open Sans Light"/>
               </a:rPr>
-              <a:t>bench</a:t>
-            </a:r>
-            <a:r>
-              <a:rPr lang="en-US" sz="1800" dirty="0" smtClean="0">
-                <a:latin typeface="Open Sans Light"/>
-                <a:ea typeface="Open Sans Light" charset="0"/>
-                <a:cs typeface="Open Sans Light"/>
-              </a:rPr>
-              <a:t>-marks</a:t>
+              <a:t>bench-marks</a:t>
             </a:r>
             <a:endParaRPr lang="en-US" sz="1800" dirty="0">
               <a:latin typeface="Open Sans Light"/>
@@ -3115,15 +3166,7 @@
                 <a:ea typeface="Open Sans Light" charset="0"/>
                 <a:cs typeface="Open Sans Light"/>
               </a:rPr>
-              <a:t>sample </a:t>
-            </a:r>
-            <a:r>
-              <a:rPr lang="en-US" sz="1800" dirty="0" smtClean="0">
-                <a:latin typeface="Open Sans Light"/>
-                <a:ea typeface="Open Sans Light" charset="0"/>
-                <a:cs typeface="Open Sans Light"/>
-              </a:rPr>
-              <a:t>apps</a:t>
+              <a:t>sample apps</a:t>
             </a:r>
             <a:endParaRPr lang="en-US" sz="1800" dirty="0">
               <a:latin typeface="Open Sans Light"/>
@@ -3193,11 +3236,6 @@
               </a:rPr>
               <a:t>customer</a:t>
             </a:r>
-            <a:endParaRPr lang="en-US" sz="1800" dirty="0" smtClean="0">
-              <a:latin typeface="Open Sans Light"/>
-              <a:ea typeface="Open Sans Light" charset="0"/>
-              <a:cs typeface="Open Sans Light"/>
-            </a:endParaRPr>
           </a:p>
           <a:p>
             <a:pPr algn="ctr" defTabSz="343403" eaLnBrk="1" fontAlgn="auto" hangingPunct="1">
@@ -3304,11 +3342,6 @@
               </a:rPr>
               <a:t>calcs.</a:t>
             </a:r>
-            <a:endParaRPr lang="en-US" sz="1800" dirty="0" smtClean="0">
-              <a:latin typeface="Open Sans Light"/>
-              <a:ea typeface="Open Sans Light" charset="0"/>
-              <a:cs typeface="Open Sans Light"/>
-            </a:endParaRPr>
           </a:p>
         </p:txBody>
       </p:sp>
@@ -3372,15 +3405,7 @@
                 <a:ea typeface="Open Sans Light" charset="0"/>
                 <a:cs typeface="Open Sans Light"/>
               </a:rPr>
-              <a:t>cust</a:t>
-            </a:r>
-            <a:r>
-              <a:rPr lang="en-US" sz="1800" dirty="0" smtClean="0">
-                <a:latin typeface="Open Sans Light"/>
-                <a:ea typeface="Open Sans Light" charset="0"/>
-                <a:cs typeface="Open Sans Light"/>
-              </a:rPr>
-              <a:t>. </a:t>
+              <a:t>cust. </a:t>
             </a:r>
             <a:br>
               <a:rPr lang="en-US" sz="1800" dirty="0" smtClean="0">
@@ -3807,11 +3832,6 @@
               </a:rPr>
               <a:t>scripted</a:t>
             </a:r>
-            <a:endParaRPr lang="en-US" sz="1800" dirty="0" smtClean="0">
-              <a:latin typeface="Open Sans Light"/>
-              <a:ea typeface="Open Sans Light" charset="0"/>
-              <a:cs typeface="Open Sans Light"/>
-            </a:endParaRPr>
           </a:p>
           <a:p>
             <a:pPr algn="ctr" defTabSz="343403" eaLnBrk="1" fontAlgn="auto" hangingPunct="1">
@@ -4093,15 +4113,7 @@
                 <a:ea typeface="Open Sans Light" charset="0"/>
                 <a:cs typeface="Open Sans Light"/>
               </a:rPr>
-              <a:t>compet</a:t>
-            </a:r>
-            <a:r>
-              <a:rPr lang="en-US" sz="1800" dirty="0" smtClean="0">
-                <a:latin typeface="Open Sans Light"/>
-                <a:ea typeface="Open Sans Light" charset="0"/>
-                <a:cs typeface="Open Sans Light"/>
-              </a:rPr>
-              <a:t>.</a:t>
+              <a:t>compet.</a:t>
             </a:r>
             <a:br>
               <a:rPr lang="en-US" sz="1800" dirty="0" smtClean="0">
@@ -4271,17 +4283,6 @@
                 <a:cs typeface="Open Sans Light"/>
               </a:rPr>
               <a:t>analyst</a:t>
-            </a:r>
-            <a:r>
-              <a:rPr lang="en-US" sz="1800" dirty="0" smtClean="0">
-                <a:solidFill>
-                  <a:srgbClr val="000000"/>
-                </a:solidFill>
-                <a:latin typeface="Open Sans Light"/>
-                <a:ea typeface="Open Sans Light" charset="0"/>
-                <a:cs typeface="Open Sans Light"/>
-              </a:rPr>
-              <a:t/>
             </a:r>
             <a:br>
               <a:rPr lang="en-US" sz="1800" dirty="0" smtClean="0">
@@ -4835,11 +4836,7 @@
           <a:p>
             <a:r>
               <a:rPr lang="en-US" dirty="0" smtClean="0"/>
-              <a:t>Dep</a:t>
-            </a:r>
-            <a:r>
-              <a:rPr lang="en-US" dirty="0" smtClean="0"/>
-              <a:t>endencies</a:t>
+              <a:t>Dependencies</a:t>
             </a:r>
             <a:endParaRPr lang="en-US" dirty="0"/>
           </a:p>
@@ -4895,43 +4892,7 @@
                 <a:latin typeface="Open Sans Light"/>
                 <a:cs typeface="Open Sans Light"/>
               </a:rPr>
-              <a:t>evangelism-dependencies-v01.pptx Copyright </a:t>
-            </a:r>
-            <a:r>
-              <a:rPr lang="en-US" sz="600" dirty="0" smtClean="0">
-                <a:solidFill>
-                  <a:schemeClr val="bg1">
-                    <a:lumMod val="75000"/>
-                  </a:schemeClr>
-                </a:solidFill>
-                <a:latin typeface="Open Sans Light"/>
-                <a:cs typeface="Open Sans Light"/>
-              </a:rPr>
-              <a:t>2016 Wilson Mar. </a:t>
-            </a:r>
-            <a:r>
-              <a:rPr lang="en-US" sz="600" dirty="0" smtClean="0">
-                <a:solidFill>
-                  <a:schemeClr val="bg1">
-                    <a:lumMod val="75000"/>
-                  </a:schemeClr>
-                </a:solidFill>
-                <a:latin typeface="Open Sans Light"/>
-                <a:cs typeface="Open Sans Light"/>
-              </a:rPr>
-              <a:t> All </a:t>
-            </a:r>
-            <a:r>
-              <a:rPr lang="en-US" sz="600" dirty="0" smtClean="0">
-                <a:solidFill>
-                  <a:schemeClr val="bg1">
-                    <a:lumMod val="75000"/>
-                  </a:schemeClr>
-                </a:solidFill>
-                <a:latin typeface="Open Sans Light"/>
-                <a:cs typeface="Open Sans Light"/>
-              </a:rPr>
-              <a:t>rights reserved.</a:t>
+              <a:t>evangelism-dependencies-v01.pptx Copyright 2016 Wilson Mar.  All rights reserved.</a:t>
             </a:r>
             <a:endParaRPr lang="en-US" sz="600" dirty="0">
               <a:solidFill>
@@ -6573,6 +6534,2371 @@
 </p:sld>
 </file>
 
+<file path=ppt/slides/slide2.xml><?xml version="1.0" encoding="utf-8"?>
+<p:sld xmlns:a="http://schemas.openxmlformats.org/drawingml/2006/main" xmlns:r="http://schemas.openxmlformats.org/officeDocument/2006/relationships" xmlns:p="http://schemas.openxmlformats.org/presentationml/2006/main">
+  <p:cSld>
+    <p:spTree>
+      <p:nvGrpSpPr>
+        <p:cNvPr id="1" name=""/>
+        <p:cNvGrpSpPr/>
+        <p:nvPr/>
+      </p:nvGrpSpPr>
+      <p:grpSpPr>
+        <a:xfrm>
+          <a:off x="0" y="0"/>
+          <a:ext cx="0" cy="0"/>
+          <a:chOff x="0" y="0"/>
+          <a:chExt cx="0" cy="0"/>
+        </a:xfrm>
+      </p:grpSpPr>
+      <p:sp>
+        <p:nvSpPr>
+          <p:cNvPr id="4" name="Rectangle 3"/>
+          <p:cNvSpPr/>
+          <p:nvPr/>
+        </p:nvSpPr>
+        <p:spPr>
+          <a:xfrm>
+            <a:off x="1131158" y="429933"/>
+            <a:ext cx="1200150" cy="674982"/>
+          </a:xfrm>
+          <a:prstGeom prst="rect">
+            <a:avLst/>
+          </a:prstGeom>
+          <a:solidFill>
+            <a:schemeClr val="accent2"/>
+          </a:solidFill>
+          <a:ln>
+            <a:solidFill>
+              <a:schemeClr val="bg1"/>
+            </a:solidFill>
+          </a:ln>
+        </p:spPr>
+        <p:style>
+          <a:lnRef idx="2">
+            <a:schemeClr val="accent1">
+              <a:shade val="50000"/>
+            </a:schemeClr>
+          </a:lnRef>
+          <a:fillRef idx="1">
+            <a:schemeClr val="accent1"/>
+          </a:fillRef>
+          <a:effectRef idx="0">
+            <a:schemeClr val="accent1"/>
+          </a:effectRef>
+          <a:fontRef idx="minor">
+            <a:schemeClr val="lt1"/>
+          </a:fontRef>
+        </p:style>
+        <p:txBody>
+          <a:bodyPr lIns="68681" tIns="34340" rIns="68681" bIns="34340" anchor="ctr"/>
+          <a:lstStyle/>
+          <a:p>
+            <a:pPr algn="ctr" defTabSz="343403" eaLnBrk="1" fontAlgn="auto" hangingPunct="1">
+              <a:spcBef>
+                <a:spcPts val="0"/>
+              </a:spcBef>
+              <a:spcAft>
+                <a:spcPts val="0"/>
+              </a:spcAft>
+              <a:defRPr/>
+            </a:pPr>
+            <a:endParaRPr lang="en-US" sz="1800" dirty="0">
+              <a:latin typeface="Open Sans Light"/>
+              <a:ea typeface="Open Sans Light" charset="0"/>
+              <a:cs typeface="Open Sans Light"/>
+            </a:endParaRPr>
+          </a:p>
+        </p:txBody>
+      </p:sp>
+      <p:cxnSp>
+        <p:nvCxnSpPr>
+          <p:cNvPr id="5" name="Straight Connector 4"/>
+          <p:cNvCxnSpPr>
+            <a:stCxn id="4" idx="2"/>
+            <a:endCxn id="8" idx="0"/>
+          </p:cNvCxnSpPr>
+          <p:nvPr/>
+        </p:nvCxnSpPr>
+        <p:spPr>
+          <a:xfrm>
+            <a:off x="1731233" y="1104915"/>
+            <a:ext cx="0" cy="271087"/>
+          </a:xfrm>
+          <a:prstGeom prst="line">
+            <a:avLst/>
+          </a:prstGeom>
+          <a:ln>
+            <a:solidFill>
+              <a:srgbClr val="414042"/>
+            </a:solidFill>
+            <a:tailEnd type="triangle" w="lg" len="lg"/>
+          </a:ln>
+          <a:effectLst/>
+        </p:spPr>
+        <p:style>
+          <a:lnRef idx="2">
+            <a:schemeClr val="accent1"/>
+          </a:lnRef>
+          <a:fillRef idx="0">
+            <a:schemeClr val="accent1"/>
+          </a:fillRef>
+          <a:effectRef idx="1">
+            <a:schemeClr val="accent1"/>
+          </a:effectRef>
+          <a:fontRef idx="minor">
+            <a:schemeClr val="tx1"/>
+          </a:fontRef>
+        </p:style>
+      </p:cxnSp>
+      <p:sp>
+        <p:nvSpPr>
+          <p:cNvPr id="6" name="Rectangle 5"/>
+          <p:cNvSpPr/>
+          <p:nvPr/>
+        </p:nvSpPr>
+        <p:spPr>
+          <a:xfrm>
+            <a:off x="2669466" y="429933"/>
+            <a:ext cx="1200150" cy="674982"/>
+          </a:xfrm>
+          <a:prstGeom prst="rect">
+            <a:avLst/>
+          </a:prstGeom>
+          <a:solidFill>
+            <a:schemeClr val="accent3"/>
+          </a:solidFill>
+          <a:ln>
+            <a:solidFill>
+              <a:schemeClr val="bg1"/>
+            </a:solidFill>
+          </a:ln>
+        </p:spPr>
+        <p:style>
+          <a:lnRef idx="2">
+            <a:schemeClr val="accent1">
+              <a:shade val="50000"/>
+            </a:schemeClr>
+          </a:lnRef>
+          <a:fillRef idx="1">
+            <a:schemeClr val="accent1"/>
+          </a:fillRef>
+          <a:effectRef idx="0">
+            <a:schemeClr val="accent1"/>
+          </a:effectRef>
+          <a:fontRef idx="minor">
+            <a:schemeClr val="lt1"/>
+          </a:fontRef>
+        </p:style>
+        <p:txBody>
+          <a:bodyPr lIns="68681" tIns="34340" rIns="68681" bIns="34340" anchor="ctr"/>
+          <a:lstStyle/>
+          <a:p>
+            <a:pPr algn="ctr" defTabSz="343403" eaLnBrk="1" fontAlgn="auto" hangingPunct="1">
+              <a:spcBef>
+                <a:spcPts val="0"/>
+              </a:spcBef>
+              <a:spcAft>
+                <a:spcPts val="0"/>
+              </a:spcAft>
+              <a:defRPr/>
+            </a:pPr>
+            <a:endParaRPr lang="en-US" sz="1800" dirty="0">
+              <a:latin typeface="Open Sans Light"/>
+              <a:ea typeface="Open Sans Light" charset="0"/>
+              <a:cs typeface="Open Sans Light"/>
+            </a:endParaRPr>
+          </a:p>
+        </p:txBody>
+      </p:sp>
+      <p:sp>
+        <p:nvSpPr>
+          <p:cNvPr id="8" name="Rectangle 7"/>
+          <p:cNvSpPr/>
+          <p:nvPr/>
+        </p:nvSpPr>
+        <p:spPr>
+          <a:xfrm>
+            <a:off x="1131158" y="1376002"/>
+            <a:ext cx="1200150" cy="674982"/>
+          </a:xfrm>
+          <a:prstGeom prst="rect">
+            <a:avLst/>
+          </a:prstGeom>
+          <a:solidFill>
+            <a:schemeClr val="accent3"/>
+          </a:solidFill>
+          <a:ln>
+            <a:solidFill>
+              <a:schemeClr val="bg1"/>
+            </a:solidFill>
+          </a:ln>
+        </p:spPr>
+        <p:style>
+          <a:lnRef idx="2">
+            <a:schemeClr val="accent1">
+              <a:shade val="50000"/>
+            </a:schemeClr>
+          </a:lnRef>
+          <a:fillRef idx="1">
+            <a:schemeClr val="accent1"/>
+          </a:fillRef>
+          <a:effectRef idx="0">
+            <a:schemeClr val="accent1"/>
+          </a:effectRef>
+          <a:fontRef idx="minor">
+            <a:schemeClr val="lt1"/>
+          </a:fontRef>
+        </p:style>
+        <p:txBody>
+          <a:bodyPr lIns="68681" tIns="34340" rIns="68681" bIns="34340" anchor="ctr"/>
+          <a:lstStyle/>
+          <a:p>
+            <a:pPr algn="ctr" defTabSz="343403" eaLnBrk="1" fontAlgn="auto" hangingPunct="1">
+              <a:spcBef>
+                <a:spcPts val="0"/>
+              </a:spcBef>
+              <a:spcAft>
+                <a:spcPts val="0"/>
+              </a:spcAft>
+              <a:defRPr/>
+            </a:pPr>
+            <a:endParaRPr lang="en-US" sz="1800" dirty="0">
+              <a:latin typeface="Open Sans Light"/>
+              <a:ea typeface="Open Sans Light" charset="0"/>
+              <a:cs typeface="Open Sans Light"/>
+            </a:endParaRPr>
+          </a:p>
+        </p:txBody>
+      </p:sp>
+      <p:cxnSp>
+        <p:nvCxnSpPr>
+          <p:cNvPr id="9" name="Straight Connector 8"/>
+          <p:cNvCxnSpPr/>
+          <p:nvPr/>
+        </p:nvCxnSpPr>
+        <p:spPr>
+          <a:xfrm flipV="1">
+            <a:off x="2331308" y="1681490"/>
+            <a:ext cx="315243" cy="15244"/>
+          </a:xfrm>
+          <a:prstGeom prst="line">
+            <a:avLst/>
+          </a:prstGeom>
+          <a:ln>
+            <a:solidFill>
+              <a:srgbClr val="414042"/>
+            </a:solidFill>
+            <a:tailEnd type="triangle" w="lg" len="lg"/>
+          </a:ln>
+          <a:effectLst/>
+        </p:spPr>
+        <p:style>
+          <a:lnRef idx="2">
+            <a:schemeClr val="accent1"/>
+          </a:lnRef>
+          <a:fillRef idx="0">
+            <a:schemeClr val="accent1"/>
+          </a:fillRef>
+          <a:effectRef idx="1">
+            <a:schemeClr val="accent1"/>
+          </a:effectRef>
+          <a:fontRef idx="minor">
+            <a:schemeClr val="tx1"/>
+          </a:fontRef>
+        </p:style>
+      </p:cxnSp>
+      <p:sp>
+        <p:nvSpPr>
+          <p:cNvPr id="10" name="Rectangle 9"/>
+          <p:cNvSpPr/>
+          <p:nvPr/>
+        </p:nvSpPr>
+        <p:spPr>
+          <a:xfrm>
+            <a:off x="2669466" y="1376002"/>
+            <a:ext cx="1200150" cy="674982"/>
+          </a:xfrm>
+          <a:prstGeom prst="rect">
+            <a:avLst/>
+          </a:prstGeom>
+          <a:solidFill>
+            <a:schemeClr val="accent3"/>
+          </a:solidFill>
+          <a:ln>
+            <a:solidFill>
+              <a:schemeClr val="bg1"/>
+            </a:solidFill>
+          </a:ln>
+        </p:spPr>
+        <p:style>
+          <a:lnRef idx="2">
+            <a:schemeClr val="accent1">
+              <a:shade val="50000"/>
+            </a:schemeClr>
+          </a:lnRef>
+          <a:fillRef idx="1">
+            <a:schemeClr val="accent1"/>
+          </a:fillRef>
+          <a:effectRef idx="0">
+            <a:schemeClr val="accent1"/>
+          </a:effectRef>
+          <a:fontRef idx="minor">
+            <a:schemeClr val="lt1"/>
+          </a:fontRef>
+        </p:style>
+        <p:txBody>
+          <a:bodyPr lIns="68681" tIns="34340" rIns="68681" bIns="34340" anchor="ctr"/>
+          <a:lstStyle/>
+          <a:p>
+            <a:pPr algn="ctr" defTabSz="343403" eaLnBrk="1" fontAlgn="auto" hangingPunct="1">
+              <a:spcBef>
+                <a:spcPts val="0"/>
+              </a:spcBef>
+              <a:spcAft>
+                <a:spcPts val="0"/>
+              </a:spcAft>
+              <a:defRPr/>
+            </a:pPr>
+            <a:endParaRPr lang="en-US" sz="1800" dirty="0">
+              <a:latin typeface="Open Sans Light"/>
+              <a:ea typeface="Open Sans Light" charset="0"/>
+              <a:cs typeface="Open Sans Light"/>
+            </a:endParaRPr>
+          </a:p>
+        </p:txBody>
+      </p:sp>
+      <p:sp>
+        <p:nvSpPr>
+          <p:cNvPr id="11" name="Rectangle 10"/>
+          <p:cNvSpPr/>
+          <p:nvPr/>
+        </p:nvSpPr>
+        <p:spPr>
+          <a:xfrm>
+            <a:off x="4236781" y="1376002"/>
+            <a:ext cx="1200150" cy="674982"/>
+          </a:xfrm>
+          <a:prstGeom prst="rect">
+            <a:avLst/>
+          </a:prstGeom>
+          <a:solidFill>
+            <a:schemeClr val="accent3"/>
+          </a:solidFill>
+          <a:ln>
+            <a:solidFill>
+              <a:schemeClr val="bg1"/>
+            </a:solidFill>
+          </a:ln>
+        </p:spPr>
+        <p:style>
+          <a:lnRef idx="2">
+            <a:schemeClr val="accent1">
+              <a:shade val="50000"/>
+            </a:schemeClr>
+          </a:lnRef>
+          <a:fillRef idx="1">
+            <a:schemeClr val="accent1"/>
+          </a:fillRef>
+          <a:effectRef idx="0">
+            <a:schemeClr val="accent1"/>
+          </a:effectRef>
+          <a:fontRef idx="minor">
+            <a:schemeClr val="lt1"/>
+          </a:fontRef>
+        </p:style>
+        <p:txBody>
+          <a:bodyPr lIns="68681" tIns="34340" rIns="68681" bIns="34340" anchor="ctr"/>
+          <a:lstStyle/>
+          <a:p>
+            <a:pPr algn="ctr" defTabSz="343403" eaLnBrk="1" fontAlgn="auto" hangingPunct="1">
+              <a:spcBef>
+                <a:spcPts val="0"/>
+              </a:spcBef>
+              <a:spcAft>
+                <a:spcPts val="0"/>
+              </a:spcAft>
+              <a:defRPr/>
+            </a:pPr>
+            <a:endParaRPr lang="en-US" sz="1800" dirty="0">
+              <a:latin typeface="Open Sans Light"/>
+              <a:ea typeface="Open Sans Light" charset="0"/>
+              <a:cs typeface="Open Sans Light"/>
+            </a:endParaRPr>
+          </a:p>
+        </p:txBody>
+      </p:sp>
+      <p:cxnSp>
+        <p:nvCxnSpPr>
+          <p:cNvPr id="12" name="Straight Connector 11"/>
+          <p:cNvCxnSpPr>
+            <a:stCxn id="10" idx="3"/>
+            <a:endCxn id="11" idx="1"/>
+          </p:cNvCxnSpPr>
+          <p:nvPr/>
+        </p:nvCxnSpPr>
+        <p:spPr>
+          <a:xfrm>
+            <a:off x="3869616" y="1713493"/>
+            <a:ext cx="367165" cy="0"/>
+          </a:xfrm>
+          <a:prstGeom prst="line">
+            <a:avLst/>
+          </a:prstGeom>
+          <a:ln>
+            <a:solidFill>
+              <a:srgbClr val="414042"/>
+            </a:solidFill>
+            <a:tailEnd type="triangle" w="lg" len="lg"/>
+          </a:ln>
+          <a:effectLst/>
+        </p:spPr>
+        <p:style>
+          <a:lnRef idx="2">
+            <a:schemeClr val="accent1"/>
+          </a:lnRef>
+          <a:fillRef idx="0">
+            <a:schemeClr val="accent1"/>
+          </a:fillRef>
+          <a:effectRef idx="1">
+            <a:schemeClr val="accent1"/>
+          </a:effectRef>
+          <a:fontRef idx="minor">
+            <a:schemeClr val="tx1"/>
+          </a:fontRef>
+        </p:style>
+      </p:cxnSp>
+      <p:cxnSp>
+        <p:nvCxnSpPr>
+          <p:cNvPr id="14" name="Straight Connector 13"/>
+          <p:cNvCxnSpPr/>
+          <p:nvPr/>
+        </p:nvCxnSpPr>
+        <p:spPr>
+          <a:xfrm>
+            <a:off x="3269541" y="1079590"/>
+            <a:ext cx="0" cy="296412"/>
+          </a:xfrm>
+          <a:prstGeom prst="line">
+            <a:avLst/>
+          </a:prstGeom>
+          <a:ln>
+            <a:solidFill>
+              <a:srgbClr val="414042"/>
+            </a:solidFill>
+            <a:tailEnd type="triangle" w="lg" len="lg"/>
+          </a:ln>
+          <a:effectLst/>
+        </p:spPr>
+        <p:style>
+          <a:lnRef idx="2">
+            <a:schemeClr val="accent1"/>
+          </a:lnRef>
+          <a:fillRef idx="0">
+            <a:schemeClr val="accent1"/>
+          </a:fillRef>
+          <a:effectRef idx="1">
+            <a:schemeClr val="accent1"/>
+          </a:effectRef>
+          <a:fontRef idx="minor">
+            <a:schemeClr val="tx1"/>
+          </a:fontRef>
+        </p:style>
+      </p:cxnSp>
+      <p:sp>
+        <p:nvSpPr>
+          <p:cNvPr id="15" name="Rectangle 14"/>
+          <p:cNvSpPr/>
+          <p:nvPr/>
+        </p:nvSpPr>
+        <p:spPr>
+          <a:xfrm>
+            <a:off x="5772875" y="1376002"/>
+            <a:ext cx="1200150" cy="674982"/>
+          </a:xfrm>
+          <a:prstGeom prst="rect">
+            <a:avLst/>
+          </a:prstGeom>
+          <a:solidFill>
+            <a:schemeClr val="accent3"/>
+          </a:solidFill>
+          <a:ln>
+            <a:solidFill>
+              <a:schemeClr val="bg1"/>
+            </a:solidFill>
+          </a:ln>
+        </p:spPr>
+        <p:style>
+          <a:lnRef idx="2">
+            <a:schemeClr val="accent1">
+              <a:shade val="50000"/>
+            </a:schemeClr>
+          </a:lnRef>
+          <a:fillRef idx="1">
+            <a:schemeClr val="accent1"/>
+          </a:fillRef>
+          <a:effectRef idx="0">
+            <a:schemeClr val="accent1"/>
+          </a:effectRef>
+          <a:fontRef idx="minor">
+            <a:schemeClr val="lt1"/>
+          </a:fontRef>
+        </p:style>
+        <p:txBody>
+          <a:bodyPr lIns="68681" tIns="34340" rIns="68681" bIns="34340" anchor="ctr"/>
+          <a:lstStyle/>
+          <a:p>
+            <a:pPr algn="ctr" defTabSz="343403" eaLnBrk="1" fontAlgn="auto" hangingPunct="1">
+              <a:spcBef>
+                <a:spcPts val="0"/>
+              </a:spcBef>
+              <a:spcAft>
+                <a:spcPts val="0"/>
+              </a:spcAft>
+              <a:defRPr/>
+            </a:pPr>
+            <a:endParaRPr lang="en-US" sz="1800" dirty="0">
+              <a:latin typeface="Open Sans Light"/>
+              <a:ea typeface="Open Sans Light" charset="0"/>
+              <a:cs typeface="Open Sans Light"/>
+            </a:endParaRPr>
+          </a:p>
+        </p:txBody>
+      </p:sp>
+      <p:cxnSp>
+        <p:nvCxnSpPr>
+          <p:cNvPr id="16" name="Straight Connector 15"/>
+          <p:cNvCxnSpPr>
+            <a:stCxn id="11" idx="3"/>
+            <a:endCxn id="15" idx="1"/>
+          </p:cNvCxnSpPr>
+          <p:nvPr/>
+        </p:nvCxnSpPr>
+        <p:spPr>
+          <a:xfrm>
+            <a:off x="5436931" y="1713493"/>
+            <a:ext cx="335944" cy="0"/>
+          </a:xfrm>
+          <a:prstGeom prst="line">
+            <a:avLst/>
+          </a:prstGeom>
+          <a:ln>
+            <a:solidFill>
+              <a:srgbClr val="414042"/>
+            </a:solidFill>
+            <a:tailEnd type="triangle" w="lg" len="lg"/>
+          </a:ln>
+          <a:effectLst/>
+        </p:spPr>
+        <p:style>
+          <a:lnRef idx="2">
+            <a:schemeClr val="accent1"/>
+          </a:lnRef>
+          <a:fillRef idx="0">
+            <a:schemeClr val="accent1"/>
+          </a:fillRef>
+          <a:effectRef idx="1">
+            <a:schemeClr val="accent1"/>
+          </a:effectRef>
+          <a:fontRef idx="minor">
+            <a:schemeClr val="tx1"/>
+          </a:fontRef>
+        </p:style>
+      </p:cxnSp>
+      <p:cxnSp>
+        <p:nvCxnSpPr>
+          <p:cNvPr id="17" name="Straight Connector 16"/>
+          <p:cNvCxnSpPr/>
+          <p:nvPr/>
+        </p:nvCxnSpPr>
+        <p:spPr>
+          <a:xfrm>
+            <a:off x="2331308" y="767424"/>
+            <a:ext cx="315243" cy="0"/>
+          </a:xfrm>
+          <a:prstGeom prst="line">
+            <a:avLst/>
+          </a:prstGeom>
+          <a:ln>
+            <a:solidFill>
+              <a:srgbClr val="414042"/>
+            </a:solidFill>
+            <a:tailEnd type="triangle" w="lg" len="lg"/>
+          </a:ln>
+          <a:effectLst/>
+        </p:spPr>
+        <p:style>
+          <a:lnRef idx="2">
+            <a:schemeClr val="accent1"/>
+          </a:lnRef>
+          <a:fillRef idx="0">
+            <a:schemeClr val="accent1"/>
+          </a:fillRef>
+          <a:effectRef idx="1">
+            <a:schemeClr val="accent1"/>
+          </a:effectRef>
+          <a:fontRef idx="minor">
+            <a:schemeClr val="tx1"/>
+          </a:fontRef>
+        </p:style>
+      </p:cxnSp>
+      <p:sp>
+        <p:nvSpPr>
+          <p:cNvPr id="24" name="Rectangle 23"/>
+          <p:cNvSpPr/>
+          <p:nvPr/>
+        </p:nvSpPr>
+        <p:spPr>
+          <a:xfrm>
+            <a:off x="7283680" y="2897305"/>
+            <a:ext cx="1200150" cy="679814"/>
+          </a:xfrm>
+          <a:prstGeom prst="rect">
+            <a:avLst/>
+          </a:prstGeom>
+          <a:solidFill>
+            <a:schemeClr val="accent3"/>
+          </a:solidFill>
+          <a:ln>
+            <a:solidFill>
+              <a:schemeClr val="bg1"/>
+            </a:solidFill>
+          </a:ln>
+        </p:spPr>
+        <p:style>
+          <a:lnRef idx="2">
+            <a:schemeClr val="accent1">
+              <a:shade val="50000"/>
+            </a:schemeClr>
+          </a:lnRef>
+          <a:fillRef idx="1">
+            <a:schemeClr val="accent1"/>
+          </a:fillRef>
+          <a:effectRef idx="0">
+            <a:schemeClr val="accent1"/>
+          </a:effectRef>
+          <a:fontRef idx="minor">
+            <a:schemeClr val="lt1"/>
+          </a:fontRef>
+        </p:style>
+        <p:txBody>
+          <a:bodyPr lIns="68681" tIns="34340" rIns="68681" bIns="34340" anchor="ctr"/>
+          <a:lstStyle/>
+          <a:p>
+            <a:pPr algn="ctr" defTabSz="343403" eaLnBrk="1" fontAlgn="auto" hangingPunct="1">
+              <a:spcBef>
+                <a:spcPts val="0"/>
+              </a:spcBef>
+              <a:spcAft>
+                <a:spcPts val="0"/>
+              </a:spcAft>
+              <a:defRPr/>
+            </a:pPr>
+            <a:endParaRPr lang="en-US" sz="1800" dirty="0">
+              <a:latin typeface="Open Sans Light"/>
+              <a:ea typeface="Open Sans Light" charset="0"/>
+              <a:cs typeface="Open Sans Light"/>
+            </a:endParaRPr>
+          </a:p>
+        </p:txBody>
+      </p:sp>
+      <p:sp>
+        <p:nvSpPr>
+          <p:cNvPr id="25" name="Rectangle 24"/>
+          <p:cNvSpPr/>
+          <p:nvPr/>
+        </p:nvSpPr>
+        <p:spPr>
+          <a:xfrm>
+            <a:off x="5772875" y="3815418"/>
+            <a:ext cx="1200150" cy="674982"/>
+          </a:xfrm>
+          <a:prstGeom prst="rect">
+            <a:avLst/>
+          </a:prstGeom>
+          <a:solidFill>
+            <a:srgbClr val="FF6600"/>
+          </a:solidFill>
+          <a:ln>
+            <a:solidFill>
+              <a:schemeClr val="bg1"/>
+            </a:solidFill>
+          </a:ln>
+        </p:spPr>
+        <p:style>
+          <a:lnRef idx="2">
+            <a:schemeClr val="accent1">
+              <a:shade val="50000"/>
+            </a:schemeClr>
+          </a:lnRef>
+          <a:fillRef idx="1">
+            <a:schemeClr val="accent1"/>
+          </a:fillRef>
+          <a:effectRef idx="0">
+            <a:schemeClr val="accent1"/>
+          </a:effectRef>
+          <a:fontRef idx="minor">
+            <a:schemeClr val="lt1"/>
+          </a:fontRef>
+        </p:style>
+        <p:txBody>
+          <a:bodyPr lIns="68681" tIns="34340" rIns="68681" bIns="34340" anchor="ctr"/>
+          <a:lstStyle/>
+          <a:p>
+            <a:pPr algn="ctr" defTabSz="343403" eaLnBrk="1" fontAlgn="auto" hangingPunct="1">
+              <a:spcBef>
+                <a:spcPts val="0"/>
+              </a:spcBef>
+              <a:spcAft>
+                <a:spcPts val="0"/>
+              </a:spcAft>
+              <a:defRPr/>
+            </a:pPr>
+            <a:endParaRPr lang="en-US" sz="1800" dirty="0">
+              <a:latin typeface="Open Sans Light"/>
+              <a:ea typeface="Open Sans Light" charset="0"/>
+              <a:cs typeface="Open Sans Light"/>
+            </a:endParaRPr>
+          </a:p>
+        </p:txBody>
+      </p:sp>
+      <p:sp>
+        <p:nvSpPr>
+          <p:cNvPr id="26" name="Rectangle 25"/>
+          <p:cNvSpPr/>
+          <p:nvPr/>
+        </p:nvSpPr>
+        <p:spPr>
+          <a:xfrm>
+            <a:off x="4236781" y="3351362"/>
+            <a:ext cx="1200150" cy="674982"/>
+          </a:xfrm>
+          <a:prstGeom prst="rect">
+            <a:avLst/>
+          </a:prstGeom>
+          <a:solidFill>
+            <a:srgbClr val="FF6600"/>
+          </a:solidFill>
+          <a:ln>
+            <a:solidFill>
+              <a:schemeClr val="bg1"/>
+            </a:solidFill>
+          </a:ln>
+        </p:spPr>
+        <p:style>
+          <a:lnRef idx="2">
+            <a:schemeClr val="accent1">
+              <a:shade val="50000"/>
+            </a:schemeClr>
+          </a:lnRef>
+          <a:fillRef idx="1">
+            <a:schemeClr val="accent1"/>
+          </a:fillRef>
+          <a:effectRef idx="0">
+            <a:schemeClr val="accent1"/>
+          </a:effectRef>
+          <a:fontRef idx="minor">
+            <a:schemeClr val="lt1"/>
+          </a:fontRef>
+        </p:style>
+        <p:txBody>
+          <a:bodyPr lIns="68681" tIns="34340" rIns="68681" bIns="34340" anchor="ctr"/>
+          <a:lstStyle/>
+          <a:p>
+            <a:pPr algn="ctr" defTabSz="343403" eaLnBrk="1" fontAlgn="auto" hangingPunct="1">
+              <a:spcBef>
+                <a:spcPts val="0"/>
+              </a:spcBef>
+              <a:spcAft>
+                <a:spcPts val="0"/>
+              </a:spcAft>
+              <a:defRPr/>
+            </a:pPr>
+            <a:endParaRPr lang="en-US" sz="1800" dirty="0">
+              <a:latin typeface="Open Sans Light"/>
+              <a:ea typeface="Open Sans Light" charset="0"/>
+              <a:cs typeface="Open Sans Light"/>
+            </a:endParaRPr>
+          </a:p>
+        </p:txBody>
+      </p:sp>
+      <p:sp>
+        <p:nvSpPr>
+          <p:cNvPr id="27" name="Rectangle 26"/>
+          <p:cNvSpPr/>
+          <p:nvPr/>
+        </p:nvSpPr>
+        <p:spPr>
+          <a:xfrm>
+            <a:off x="2669466" y="2432465"/>
+            <a:ext cx="1200150" cy="674982"/>
+          </a:xfrm>
+          <a:prstGeom prst="rect">
+            <a:avLst/>
+          </a:prstGeom>
+          <a:solidFill>
+            <a:schemeClr val="accent2"/>
+          </a:solidFill>
+          <a:ln>
+            <a:solidFill>
+              <a:schemeClr val="bg1"/>
+            </a:solidFill>
+          </a:ln>
+        </p:spPr>
+        <p:style>
+          <a:lnRef idx="2">
+            <a:schemeClr val="accent1">
+              <a:shade val="50000"/>
+            </a:schemeClr>
+          </a:lnRef>
+          <a:fillRef idx="1">
+            <a:schemeClr val="accent1"/>
+          </a:fillRef>
+          <a:effectRef idx="0">
+            <a:schemeClr val="accent1"/>
+          </a:effectRef>
+          <a:fontRef idx="minor">
+            <a:schemeClr val="lt1"/>
+          </a:fontRef>
+        </p:style>
+        <p:txBody>
+          <a:bodyPr lIns="68681" tIns="34340" rIns="68681" bIns="34340" anchor="ctr"/>
+          <a:lstStyle/>
+          <a:p>
+            <a:pPr algn="ctr" defTabSz="343403" eaLnBrk="1" fontAlgn="auto" hangingPunct="1">
+              <a:spcBef>
+                <a:spcPts val="0"/>
+              </a:spcBef>
+              <a:spcAft>
+                <a:spcPts val="0"/>
+              </a:spcAft>
+              <a:defRPr/>
+            </a:pPr>
+            <a:endParaRPr lang="en-US" sz="1800" dirty="0">
+              <a:latin typeface="Open Sans Light"/>
+              <a:ea typeface="Open Sans Light" charset="0"/>
+              <a:cs typeface="Open Sans Light"/>
+            </a:endParaRPr>
+          </a:p>
+        </p:txBody>
+      </p:sp>
+      <p:sp>
+        <p:nvSpPr>
+          <p:cNvPr id="28" name="Rectangle 27"/>
+          <p:cNvSpPr/>
+          <p:nvPr/>
+        </p:nvSpPr>
+        <p:spPr>
+          <a:xfrm>
+            <a:off x="4236781" y="2442074"/>
+            <a:ext cx="1200150" cy="674982"/>
+          </a:xfrm>
+          <a:prstGeom prst="rect">
+            <a:avLst/>
+          </a:prstGeom>
+          <a:solidFill>
+            <a:srgbClr val="00A9F2"/>
+          </a:solidFill>
+          <a:ln>
+            <a:solidFill>
+              <a:schemeClr val="bg1"/>
+            </a:solidFill>
+          </a:ln>
+        </p:spPr>
+        <p:style>
+          <a:lnRef idx="2">
+            <a:schemeClr val="accent1">
+              <a:shade val="50000"/>
+            </a:schemeClr>
+          </a:lnRef>
+          <a:fillRef idx="1">
+            <a:schemeClr val="accent1"/>
+          </a:fillRef>
+          <a:effectRef idx="0">
+            <a:schemeClr val="accent1"/>
+          </a:effectRef>
+          <a:fontRef idx="minor">
+            <a:schemeClr val="lt1"/>
+          </a:fontRef>
+        </p:style>
+        <p:txBody>
+          <a:bodyPr lIns="68681" tIns="34340" rIns="68681" bIns="34340" anchor="ctr"/>
+          <a:lstStyle/>
+          <a:p>
+            <a:pPr algn="ctr" defTabSz="343403" eaLnBrk="1" fontAlgn="auto" hangingPunct="1">
+              <a:spcBef>
+                <a:spcPts val="0"/>
+              </a:spcBef>
+              <a:spcAft>
+                <a:spcPts val="0"/>
+              </a:spcAft>
+              <a:defRPr/>
+            </a:pPr>
+            <a:endParaRPr lang="en-US" sz="1800" dirty="0" smtClean="0">
+              <a:latin typeface="Open Sans Light"/>
+              <a:ea typeface="Open Sans Light" charset="0"/>
+              <a:cs typeface="Open Sans Light"/>
+            </a:endParaRPr>
+          </a:p>
+        </p:txBody>
+      </p:sp>
+      <p:sp>
+        <p:nvSpPr>
+          <p:cNvPr id="29" name="Rectangle 28"/>
+          <p:cNvSpPr/>
+          <p:nvPr/>
+        </p:nvSpPr>
+        <p:spPr>
+          <a:xfrm>
+            <a:off x="2669466" y="3344887"/>
+            <a:ext cx="1200150" cy="674982"/>
+          </a:xfrm>
+          <a:prstGeom prst="rect">
+            <a:avLst/>
+          </a:prstGeom>
+          <a:solidFill>
+            <a:schemeClr val="bg1">
+              <a:lumMod val="50000"/>
+            </a:schemeClr>
+          </a:solidFill>
+          <a:ln>
+            <a:solidFill>
+              <a:schemeClr val="bg1"/>
+            </a:solidFill>
+          </a:ln>
+        </p:spPr>
+        <p:style>
+          <a:lnRef idx="2">
+            <a:schemeClr val="accent1">
+              <a:shade val="50000"/>
+            </a:schemeClr>
+          </a:lnRef>
+          <a:fillRef idx="1">
+            <a:schemeClr val="accent1"/>
+          </a:fillRef>
+          <a:effectRef idx="0">
+            <a:schemeClr val="accent1"/>
+          </a:effectRef>
+          <a:fontRef idx="minor">
+            <a:schemeClr val="lt1"/>
+          </a:fontRef>
+        </p:style>
+        <p:txBody>
+          <a:bodyPr lIns="68681" tIns="34340" rIns="68681" bIns="34340" anchor="ctr"/>
+          <a:lstStyle/>
+          <a:p>
+            <a:pPr algn="ctr" defTabSz="343403" eaLnBrk="1" fontAlgn="auto" hangingPunct="1">
+              <a:spcBef>
+                <a:spcPts val="0"/>
+              </a:spcBef>
+              <a:spcAft>
+                <a:spcPts val="0"/>
+              </a:spcAft>
+              <a:defRPr/>
+            </a:pPr>
+            <a:endParaRPr lang="en-US" sz="1800" dirty="0" smtClean="0">
+              <a:latin typeface="Open Sans Light"/>
+              <a:ea typeface="Open Sans Light" charset="0"/>
+              <a:cs typeface="Open Sans Light"/>
+            </a:endParaRPr>
+          </a:p>
+        </p:txBody>
+      </p:sp>
+      <p:cxnSp>
+        <p:nvCxnSpPr>
+          <p:cNvPr id="30" name="Straight Connector 29"/>
+          <p:cNvCxnSpPr/>
+          <p:nvPr/>
+        </p:nvCxnSpPr>
+        <p:spPr>
+          <a:xfrm flipV="1">
+            <a:off x="3269541" y="3107447"/>
+            <a:ext cx="0" cy="237440"/>
+          </a:xfrm>
+          <a:prstGeom prst="line">
+            <a:avLst/>
+          </a:prstGeom>
+          <a:ln>
+            <a:solidFill>
+              <a:srgbClr val="414042"/>
+            </a:solidFill>
+            <a:tailEnd type="triangle" w="lg" len="lg"/>
+          </a:ln>
+          <a:effectLst/>
+        </p:spPr>
+        <p:style>
+          <a:lnRef idx="2">
+            <a:schemeClr val="accent1"/>
+          </a:lnRef>
+          <a:fillRef idx="0">
+            <a:schemeClr val="accent1"/>
+          </a:fillRef>
+          <a:effectRef idx="1">
+            <a:schemeClr val="accent1"/>
+          </a:effectRef>
+          <a:fontRef idx="minor">
+            <a:schemeClr val="tx1"/>
+          </a:fontRef>
+        </p:style>
+      </p:cxnSp>
+      <p:cxnSp>
+        <p:nvCxnSpPr>
+          <p:cNvPr id="31" name="Straight Connector 30"/>
+          <p:cNvCxnSpPr>
+            <a:stCxn id="27" idx="3"/>
+            <a:endCxn id="28" idx="1"/>
+          </p:cNvCxnSpPr>
+          <p:nvPr/>
+        </p:nvCxnSpPr>
+        <p:spPr>
+          <a:xfrm>
+            <a:off x="3869616" y="2769956"/>
+            <a:ext cx="367165" cy="9609"/>
+          </a:xfrm>
+          <a:prstGeom prst="line">
+            <a:avLst/>
+          </a:prstGeom>
+          <a:ln>
+            <a:solidFill>
+              <a:srgbClr val="414042"/>
+            </a:solidFill>
+            <a:tailEnd type="triangle" w="lg" len="lg"/>
+          </a:ln>
+          <a:effectLst/>
+        </p:spPr>
+        <p:style>
+          <a:lnRef idx="2">
+            <a:schemeClr val="accent1"/>
+          </a:lnRef>
+          <a:fillRef idx="0">
+            <a:schemeClr val="accent1"/>
+          </a:fillRef>
+          <a:effectRef idx="1">
+            <a:schemeClr val="accent1"/>
+          </a:effectRef>
+          <a:fontRef idx="minor">
+            <a:schemeClr val="tx1"/>
+          </a:fontRef>
+        </p:style>
+      </p:cxnSp>
+      <p:cxnSp>
+        <p:nvCxnSpPr>
+          <p:cNvPr id="32" name="Straight Connector 31"/>
+          <p:cNvCxnSpPr>
+            <a:stCxn id="27" idx="3"/>
+            <a:endCxn id="26" idx="1"/>
+          </p:cNvCxnSpPr>
+          <p:nvPr/>
+        </p:nvCxnSpPr>
+        <p:spPr>
+          <a:xfrm>
+            <a:off x="3869616" y="2769956"/>
+            <a:ext cx="367165" cy="918897"/>
+          </a:xfrm>
+          <a:prstGeom prst="line">
+            <a:avLst/>
+          </a:prstGeom>
+          <a:ln>
+            <a:solidFill>
+              <a:srgbClr val="414042"/>
+            </a:solidFill>
+            <a:tailEnd type="triangle" w="lg" len="lg"/>
+          </a:ln>
+          <a:effectLst/>
+        </p:spPr>
+        <p:style>
+          <a:lnRef idx="2">
+            <a:schemeClr val="accent1"/>
+          </a:lnRef>
+          <a:fillRef idx="0">
+            <a:schemeClr val="accent1"/>
+          </a:fillRef>
+          <a:effectRef idx="1">
+            <a:schemeClr val="accent1"/>
+          </a:effectRef>
+          <a:fontRef idx="minor">
+            <a:schemeClr val="tx1"/>
+          </a:fontRef>
+        </p:style>
+      </p:cxnSp>
+      <p:cxnSp>
+        <p:nvCxnSpPr>
+          <p:cNvPr id="33" name="Straight Connector 32"/>
+          <p:cNvCxnSpPr>
+            <a:stCxn id="26" idx="3"/>
+            <a:endCxn id="25" idx="1"/>
+          </p:cNvCxnSpPr>
+          <p:nvPr/>
+        </p:nvCxnSpPr>
+        <p:spPr>
+          <a:xfrm>
+            <a:off x="5436931" y="3688853"/>
+            <a:ext cx="335944" cy="464056"/>
+          </a:xfrm>
+          <a:prstGeom prst="line">
+            <a:avLst/>
+          </a:prstGeom>
+          <a:ln>
+            <a:solidFill>
+              <a:srgbClr val="414042"/>
+            </a:solidFill>
+            <a:tailEnd type="triangle" w="lg" len="lg"/>
+          </a:ln>
+          <a:effectLst/>
+        </p:spPr>
+        <p:style>
+          <a:lnRef idx="2">
+            <a:schemeClr val="accent1"/>
+          </a:lnRef>
+          <a:fillRef idx="0">
+            <a:schemeClr val="accent1"/>
+          </a:fillRef>
+          <a:effectRef idx="1">
+            <a:schemeClr val="accent1"/>
+          </a:effectRef>
+          <a:fontRef idx="minor">
+            <a:schemeClr val="tx1"/>
+          </a:fontRef>
+        </p:style>
+      </p:cxnSp>
+      <p:cxnSp>
+        <p:nvCxnSpPr>
+          <p:cNvPr id="34" name="Straight Connector 33"/>
+          <p:cNvCxnSpPr>
+            <a:stCxn id="26" idx="3"/>
+            <a:endCxn id="24" idx="1"/>
+          </p:cNvCxnSpPr>
+          <p:nvPr/>
+        </p:nvCxnSpPr>
+        <p:spPr>
+          <a:xfrm flipV="1">
+            <a:off x="5436931" y="3237212"/>
+            <a:ext cx="1846749" cy="451641"/>
+          </a:xfrm>
+          <a:prstGeom prst="line">
+            <a:avLst/>
+          </a:prstGeom>
+          <a:ln>
+            <a:solidFill>
+              <a:srgbClr val="414042"/>
+            </a:solidFill>
+            <a:tailEnd type="triangle" w="lg" len="lg"/>
+          </a:ln>
+          <a:effectLst/>
+        </p:spPr>
+        <p:style>
+          <a:lnRef idx="2">
+            <a:schemeClr val="accent1"/>
+          </a:lnRef>
+          <a:fillRef idx="0">
+            <a:schemeClr val="accent1"/>
+          </a:fillRef>
+          <a:effectRef idx="1">
+            <a:schemeClr val="accent1"/>
+          </a:effectRef>
+          <a:fontRef idx="minor">
+            <a:schemeClr val="tx1"/>
+          </a:fontRef>
+        </p:style>
+      </p:cxnSp>
+      <p:sp>
+        <p:nvSpPr>
+          <p:cNvPr id="36" name="Rectangle 35"/>
+          <p:cNvSpPr/>
+          <p:nvPr/>
+        </p:nvSpPr>
+        <p:spPr>
+          <a:xfrm>
+            <a:off x="1131158" y="2432465"/>
+            <a:ext cx="1200150" cy="674982"/>
+          </a:xfrm>
+          <a:prstGeom prst="rect">
+            <a:avLst/>
+          </a:prstGeom>
+          <a:solidFill>
+            <a:schemeClr val="bg1">
+              <a:lumMod val="50000"/>
+            </a:schemeClr>
+          </a:solidFill>
+          <a:ln>
+            <a:solidFill>
+              <a:schemeClr val="bg1"/>
+            </a:solidFill>
+          </a:ln>
+        </p:spPr>
+        <p:style>
+          <a:lnRef idx="2">
+            <a:schemeClr val="accent1">
+              <a:shade val="50000"/>
+            </a:schemeClr>
+          </a:lnRef>
+          <a:fillRef idx="1">
+            <a:schemeClr val="accent1"/>
+          </a:fillRef>
+          <a:effectRef idx="0">
+            <a:schemeClr val="accent1"/>
+          </a:effectRef>
+          <a:fontRef idx="minor">
+            <a:schemeClr val="lt1"/>
+          </a:fontRef>
+        </p:style>
+        <p:txBody>
+          <a:bodyPr lIns="68681" tIns="34340" rIns="68681" bIns="34340" anchor="ctr"/>
+          <a:lstStyle/>
+          <a:p>
+            <a:pPr algn="ctr" defTabSz="343403" eaLnBrk="1" fontAlgn="auto" hangingPunct="1">
+              <a:spcBef>
+                <a:spcPts val="0"/>
+              </a:spcBef>
+              <a:spcAft>
+                <a:spcPts val="0"/>
+              </a:spcAft>
+              <a:defRPr/>
+            </a:pPr>
+            <a:endParaRPr lang="en-US" sz="1800" dirty="0">
+              <a:latin typeface="Open Sans Light"/>
+              <a:ea typeface="Open Sans Light" charset="0"/>
+              <a:cs typeface="Open Sans Light"/>
+            </a:endParaRPr>
+          </a:p>
+        </p:txBody>
+      </p:sp>
+      <p:cxnSp>
+        <p:nvCxnSpPr>
+          <p:cNvPr id="39" name="Straight Connector 38"/>
+          <p:cNvCxnSpPr>
+            <a:stCxn id="36" idx="3"/>
+            <a:endCxn id="27" idx="1"/>
+          </p:cNvCxnSpPr>
+          <p:nvPr/>
+        </p:nvCxnSpPr>
+        <p:spPr>
+          <a:xfrm>
+            <a:off x="2331308" y="2769956"/>
+            <a:ext cx="338158" cy="0"/>
+          </a:xfrm>
+          <a:prstGeom prst="line">
+            <a:avLst/>
+          </a:prstGeom>
+          <a:ln>
+            <a:solidFill>
+              <a:srgbClr val="414042"/>
+            </a:solidFill>
+            <a:tailEnd type="triangle" w="lg" len="lg"/>
+          </a:ln>
+          <a:effectLst/>
+        </p:spPr>
+        <p:style>
+          <a:lnRef idx="2">
+            <a:schemeClr val="accent1"/>
+          </a:lnRef>
+          <a:fillRef idx="0">
+            <a:schemeClr val="accent1"/>
+          </a:fillRef>
+          <a:effectRef idx="1">
+            <a:schemeClr val="accent1"/>
+          </a:effectRef>
+          <a:fontRef idx="minor">
+            <a:schemeClr val="tx1"/>
+          </a:fontRef>
+        </p:style>
+      </p:cxnSp>
+      <p:cxnSp>
+        <p:nvCxnSpPr>
+          <p:cNvPr id="47" name="Straight Connector 46"/>
+          <p:cNvCxnSpPr>
+            <a:stCxn id="6" idx="2"/>
+            <a:endCxn id="11" idx="0"/>
+          </p:cNvCxnSpPr>
+          <p:nvPr/>
+        </p:nvCxnSpPr>
+        <p:spPr>
+          <a:xfrm>
+            <a:off x="3269541" y="1104915"/>
+            <a:ext cx="1567315" cy="271087"/>
+          </a:xfrm>
+          <a:prstGeom prst="line">
+            <a:avLst/>
+          </a:prstGeom>
+          <a:ln>
+            <a:solidFill>
+              <a:srgbClr val="414042"/>
+            </a:solidFill>
+            <a:tailEnd type="triangle" w="lg" len="lg"/>
+          </a:ln>
+          <a:effectLst/>
+        </p:spPr>
+        <p:style>
+          <a:lnRef idx="2">
+            <a:schemeClr val="accent1"/>
+          </a:lnRef>
+          <a:fillRef idx="0">
+            <a:schemeClr val="accent1"/>
+          </a:fillRef>
+          <a:effectRef idx="1">
+            <a:schemeClr val="accent1"/>
+          </a:effectRef>
+          <a:fontRef idx="minor">
+            <a:schemeClr val="tx1"/>
+          </a:fontRef>
+        </p:style>
+      </p:cxnSp>
+      <p:sp>
+        <p:nvSpPr>
+          <p:cNvPr id="50" name="Rectangle 49"/>
+          <p:cNvSpPr/>
+          <p:nvPr/>
+        </p:nvSpPr>
+        <p:spPr>
+          <a:xfrm>
+            <a:off x="4236781" y="429933"/>
+            <a:ext cx="1200150" cy="674982"/>
+          </a:xfrm>
+          <a:prstGeom prst="rect">
+            <a:avLst/>
+          </a:prstGeom>
+          <a:solidFill>
+            <a:schemeClr val="accent3"/>
+          </a:solidFill>
+          <a:ln>
+            <a:solidFill>
+              <a:schemeClr val="bg1"/>
+            </a:solidFill>
+          </a:ln>
+        </p:spPr>
+        <p:style>
+          <a:lnRef idx="2">
+            <a:schemeClr val="accent1">
+              <a:shade val="50000"/>
+            </a:schemeClr>
+          </a:lnRef>
+          <a:fillRef idx="1">
+            <a:schemeClr val="accent1"/>
+          </a:fillRef>
+          <a:effectRef idx="0">
+            <a:schemeClr val="accent1"/>
+          </a:effectRef>
+          <a:fontRef idx="minor">
+            <a:schemeClr val="lt1"/>
+          </a:fontRef>
+        </p:style>
+        <p:txBody>
+          <a:bodyPr lIns="68681" tIns="34340" rIns="68681" bIns="34340" anchor="ctr"/>
+          <a:lstStyle/>
+          <a:p>
+            <a:pPr algn="ctr" defTabSz="343403" eaLnBrk="1" fontAlgn="auto" hangingPunct="1">
+              <a:spcBef>
+                <a:spcPts val="0"/>
+              </a:spcBef>
+              <a:spcAft>
+                <a:spcPts val="0"/>
+              </a:spcAft>
+              <a:defRPr/>
+            </a:pPr>
+            <a:endParaRPr lang="en-US" sz="1800" dirty="0">
+              <a:latin typeface="Open Sans Light"/>
+              <a:ea typeface="Open Sans Light" charset="0"/>
+              <a:cs typeface="Open Sans Light"/>
+            </a:endParaRPr>
+          </a:p>
+        </p:txBody>
+      </p:sp>
+      <p:cxnSp>
+        <p:nvCxnSpPr>
+          <p:cNvPr id="51" name="Straight Connector 50"/>
+          <p:cNvCxnSpPr>
+            <a:stCxn id="6" idx="3"/>
+            <a:endCxn id="50" idx="1"/>
+          </p:cNvCxnSpPr>
+          <p:nvPr/>
+        </p:nvCxnSpPr>
+        <p:spPr>
+          <a:xfrm>
+            <a:off x="3869616" y="767424"/>
+            <a:ext cx="367165" cy="0"/>
+          </a:xfrm>
+          <a:prstGeom prst="line">
+            <a:avLst/>
+          </a:prstGeom>
+          <a:ln>
+            <a:solidFill>
+              <a:srgbClr val="414042"/>
+            </a:solidFill>
+            <a:tailEnd type="triangle" w="lg" len="lg"/>
+          </a:ln>
+          <a:effectLst/>
+        </p:spPr>
+        <p:style>
+          <a:lnRef idx="2">
+            <a:schemeClr val="accent1"/>
+          </a:lnRef>
+          <a:fillRef idx="0">
+            <a:schemeClr val="accent1"/>
+          </a:fillRef>
+          <a:effectRef idx="1">
+            <a:schemeClr val="accent1"/>
+          </a:effectRef>
+          <a:fontRef idx="minor">
+            <a:schemeClr val="tx1"/>
+          </a:fontRef>
+        </p:style>
+      </p:cxnSp>
+      <p:cxnSp>
+        <p:nvCxnSpPr>
+          <p:cNvPr id="53" name="Straight Connector 52"/>
+          <p:cNvCxnSpPr>
+            <a:stCxn id="50" idx="2"/>
+            <a:endCxn id="11" idx="0"/>
+          </p:cNvCxnSpPr>
+          <p:nvPr/>
+        </p:nvCxnSpPr>
+        <p:spPr>
+          <a:xfrm>
+            <a:off x="4836856" y="1104915"/>
+            <a:ext cx="0" cy="271087"/>
+          </a:xfrm>
+          <a:prstGeom prst="line">
+            <a:avLst/>
+          </a:prstGeom>
+          <a:ln>
+            <a:solidFill>
+              <a:srgbClr val="414042"/>
+            </a:solidFill>
+            <a:tailEnd type="triangle" w="lg" len="lg"/>
+          </a:ln>
+          <a:effectLst/>
+        </p:spPr>
+        <p:style>
+          <a:lnRef idx="2">
+            <a:schemeClr val="accent1"/>
+          </a:lnRef>
+          <a:fillRef idx="0">
+            <a:schemeClr val="accent1"/>
+          </a:fillRef>
+          <a:effectRef idx="1">
+            <a:schemeClr val="accent1"/>
+          </a:effectRef>
+          <a:fontRef idx="minor">
+            <a:schemeClr val="tx1"/>
+          </a:fontRef>
+        </p:style>
+      </p:cxnSp>
+      <p:cxnSp>
+        <p:nvCxnSpPr>
+          <p:cNvPr id="57" name="Straight Connector 56"/>
+          <p:cNvCxnSpPr>
+            <a:stCxn id="42" idx="2"/>
+            <a:endCxn id="24" idx="0"/>
+          </p:cNvCxnSpPr>
+          <p:nvPr/>
+        </p:nvCxnSpPr>
+        <p:spPr>
+          <a:xfrm>
+            <a:off x="7878950" y="2034225"/>
+            <a:ext cx="4805" cy="863080"/>
+          </a:xfrm>
+          <a:prstGeom prst="line">
+            <a:avLst/>
+          </a:prstGeom>
+          <a:ln>
+            <a:solidFill>
+              <a:srgbClr val="414042"/>
+            </a:solidFill>
+            <a:tailEnd type="triangle" w="lg" len="lg"/>
+          </a:ln>
+          <a:effectLst/>
+        </p:spPr>
+        <p:style>
+          <a:lnRef idx="2">
+            <a:schemeClr val="accent1"/>
+          </a:lnRef>
+          <a:fillRef idx="0">
+            <a:schemeClr val="accent1"/>
+          </a:fillRef>
+          <a:effectRef idx="1">
+            <a:schemeClr val="accent1"/>
+          </a:effectRef>
+          <a:fontRef idx="minor">
+            <a:schemeClr val="tx1"/>
+          </a:fontRef>
+        </p:style>
+      </p:cxnSp>
+      <p:cxnSp>
+        <p:nvCxnSpPr>
+          <p:cNvPr id="60" name="Straight Connector 59"/>
+          <p:cNvCxnSpPr>
+            <a:stCxn id="28" idx="0"/>
+          </p:cNvCxnSpPr>
+          <p:nvPr/>
+        </p:nvCxnSpPr>
+        <p:spPr>
+          <a:xfrm flipV="1">
+            <a:off x="4836856" y="2219016"/>
+            <a:ext cx="0" cy="223058"/>
+          </a:xfrm>
+          <a:prstGeom prst="line">
+            <a:avLst/>
+          </a:prstGeom>
+          <a:ln>
+            <a:solidFill>
+              <a:srgbClr val="414042"/>
+            </a:solidFill>
+            <a:tailEnd type="triangle" w="lg" len="lg"/>
+          </a:ln>
+          <a:effectLst/>
+        </p:spPr>
+        <p:style>
+          <a:lnRef idx="2">
+            <a:schemeClr val="accent1"/>
+          </a:lnRef>
+          <a:fillRef idx="0">
+            <a:schemeClr val="accent1"/>
+          </a:fillRef>
+          <a:effectRef idx="1">
+            <a:schemeClr val="accent1"/>
+          </a:effectRef>
+          <a:fontRef idx="minor">
+            <a:schemeClr val="tx1"/>
+          </a:fontRef>
+        </p:style>
+      </p:cxnSp>
+      <p:cxnSp>
+        <p:nvCxnSpPr>
+          <p:cNvPr id="64" name="Straight Connector 63"/>
+          <p:cNvCxnSpPr/>
+          <p:nvPr/>
+        </p:nvCxnSpPr>
+        <p:spPr>
+          <a:xfrm flipV="1">
+            <a:off x="3269541" y="2219016"/>
+            <a:ext cx="0" cy="213450"/>
+          </a:xfrm>
+          <a:prstGeom prst="line">
+            <a:avLst/>
+          </a:prstGeom>
+          <a:ln>
+            <a:solidFill>
+              <a:srgbClr val="414042"/>
+            </a:solidFill>
+            <a:tailEnd type="triangle" w="lg" len="lg"/>
+          </a:ln>
+          <a:effectLst/>
+        </p:spPr>
+        <p:style>
+          <a:lnRef idx="2">
+            <a:schemeClr val="accent1"/>
+          </a:lnRef>
+          <a:fillRef idx="0">
+            <a:schemeClr val="accent1"/>
+          </a:fillRef>
+          <a:effectRef idx="1">
+            <a:schemeClr val="accent1"/>
+          </a:effectRef>
+          <a:fontRef idx="minor">
+            <a:schemeClr val="tx1"/>
+          </a:fontRef>
+        </p:style>
+      </p:cxnSp>
+      <p:sp>
+        <p:nvSpPr>
+          <p:cNvPr id="68" name="Rectangle 67"/>
+          <p:cNvSpPr/>
+          <p:nvPr/>
+        </p:nvSpPr>
+        <p:spPr>
+          <a:xfrm>
+            <a:off x="1131159" y="3351362"/>
+            <a:ext cx="1200150" cy="674982"/>
+          </a:xfrm>
+          <a:prstGeom prst="rect">
+            <a:avLst/>
+          </a:prstGeom>
+          <a:solidFill>
+            <a:srgbClr val="7F7F7F"/>
+          </a:solidFill>
+          <a:ln>
+            <a:solidFill>
+              <a:schemeClr val="bg1"/>
+            </a:solidFill>
+          </a:ln>
+        </p:spPr>
+        <p:style>
+          <a:lnRef idx="2">
+            <a:schemeClr val="accent1">
+              <a:shade val="50000"/>
+            </a:schemeClr>
+          </a:lnRef>
+          <a:fillRef idx="1">
+            <a:schemeClr val="accent1"/>
+          </a:fillRef>
+          <a:effectRef idx="0">
+            <a:schemeClr val="accent1"/>
+          </a:effectRef>
+          <a:fontRef idx="minor">
+            <a:schemeClr val="lt1"/>
+          </a:fontRef>
+        </p:style>
+        <p:txBody>
+          <a:bodyPr lIns="68681" tIns="34340" rIns="68681" bIns="34340" anchor="ctr"/>
+          <a:lstStyle/>
+          <a:p>
+            <a:pPr algn="ctr" defTabSz="343403" eaLnBrk="1" fontAlgn="auto" hangingPunct="1">
+              <a:spcBef>
+                <a:spcPts val="0"/>
+              </a:spcBef>
+              <a:spcAft>
+                <a:spcPts val="0"/>
+              </a:spcAft>
+              <a:defRPr/>
+            </a:pPr>
+            <a:endParaRPr lang="en-US" sz="1800" dirty="0">
+              <a:latin typeface="Open Sans Light"/>
+              <a:ea typeface="Open Sans Light" charset="0"/>
+              <a:cs typeface="Open Sans Light"/>
+            </a:endParaRPr>
+          </a:p>
+        </p:txBody>
+      </p:sp>
+      <p:cxnSp>
+        <p:nvCxnSpPr>
+          <p:cNvPr id="69" name="Straight Connector 68"/>
+          <p:cNvCxnSpPr>
+            <a:stCxn id="29" idx="1"/>
+            <a:endCxn id="68" idx="3"/>
+          </p:cNvCxnSpPr>
+          <p:nvPr/>
+        </p:nvCxnSpPr>
+        <p:spPr>
+          <a:xfrm flipH="1">
+            <a:off x="2331309" y="3682378"/>
+            <a:ext cx="338157" cy="6475"/>
+          </a:xfrm>
+          <a:prstGeom prst="line">
+            <a:avLst/>
+          </a:prstGeom>
+          <a:ln>
+            <a:solidFill>
+              <a:srgbClr val="414042"/>
+            </a:solidFill>
+            <a:tailEnd type="triangle" w="lg" len="lg"/>
+          </a:ln>
+          <a:effectLst/>
+        </p:spPr>
+        <p:style>
+          <a:lnRef idx="2">
+            <a:schemeClr val="accent1"/>
+          </a:lnRef>
+          <a:fillRef idx="0">
+            <a:schemeClr val="accent1"/>
+          </a:fillRef>
+          <a:effectRef idx="1">
+            <a:schemeClr val="accent1"/>
+          </a:effectRef>
+          <a:fontRef idx="minor">
+            <a:schemeClr val="tx1"/>
+          </a:fontRef>
+        </p:style>
+      </p:cxnSp>
+      <p:cxnSp>
+        <p:nvCxnSpPr>
+          <p:cNvPr id="72" name="Straight Connector 71"/>
+          <p:cNvCxnSpPr>
+            <a:stCxn id="4" idx="1"/>
+            <a:endCxn id="68" idx="1"/>
+          </p:cNvCxnSpPr>
+          <p:nvPr/>
+        </p:nvCxnSpPr>
+        <p:spPr>
+          <a:xfrm rot="10800000" flipH="1" flipV="1">
+            <a:off x="1131157" y="767423"/>
+            <a:ext cx="1" cy="2921429"/>
+          </a:xfrm>
+          <a:prstGeom prst="bentConnector3">
+            <a:avLst>
+              <a:gd name="adj1" fmla="val -22860000000"/>
+            </a:avLst>
+          </a:prstGeom>
+          <a:ln>
+            <a:solidFill>
+              <a:srgbClr val="414042"/>
+            </a:solidFill>
+            <a:headEnd type="triangle" w="lg" len="lg"/>
+            <a:tailEnd type="triangle" w="lg" len="lg"/>
+          </a:ln>
+          <a:effectLst/>
+        </p:spPr>
+        <p:style>
+          <a:lnRef idx="2">
+            <a:schemeClr val="accent1"/>
+          </a:lnRef>
+          <a:fillRef idx="0">
+            <a:schemeClr val="accent1"/>
+          </a:fillRef>
+          <a:effectRef idx="1">
+            <a:schemeClr val="accent1"/>
+          </a:effectRef>
+          <a:fontRef idx="minor">
+            <a:schemeClr val="tx1"/>
+          </a:fontRef>
+        </p:style>
+      </p:cxnSp>
+      <p:sp>
+        <p:nvSpPr>
+          <p:cNvPr id="90" name="Rectangle 89"/>
+          <p:cNvSpPr/>
+          <p:nvPr/>
+        </p:nvSpPr>
+        <p:spPr>
+          <a:xfrm>
+            <a:off x="5774836" y="2442074"/>
+            <a:ext cx="1200150" cy="674982"/>
+          </a:xfrm>
+          <a:prstGeom prst="rect">
+            <a:avLst/>
+          </a:prstGeom>
+          <a:solidFill>
+            <a:srgbClr val="FFFFFF"/>
+          </a:solidFill>
+          <a:ln>
+            <a:solidFill>
+              <a:schemeClr val="tx1"/>
+            </a:solidFill>
+          </a:ln>
+        </p:spPr>
+        <p:style>
+          <a:lnRef idx="2">
+            <a:schemeClr val="accent1">
+              <a:shade val="50000"/>
+            </a:schemeClr>
+          </a:lnRef>
+          <a:fillRef idx="1">
+            <a:schemeClr val="accent1"/>
+          </a:fillRef>
+          <a:effectRef idx="0">
+            <a:schemeClr val="accent1"/>
+          </a:effectRef>
+          <a:fontRef idx="minor">
+            <a:schemeClr val="lt1"/>
+          </a:fontRef>
+        </p:style>
+        <p:txBody>
+          <a:bodyPr lIns="68681" tIns="34340" rIns="68681" bIns="34340" anchor="ctr"/>
+          <a:lstStyle/>
+          <a:p>
+            <a:pPr algn="ctr" defTabSz="343403" eaLnBrk="1" fontAlgn="auto" hangingPunct="1">
+              <a:spcBef>
+                <a:spcPts val="0"/>
+              </a:spcBef>
+              <a:spcAft>
+                <a:spcPts val="0"/>
+              </a:spcAft>
+              <a:defRPr/>
+            </a:pPr>
+            <a:endParaRPr lang="en-US" sz="1800" dirty="0">
+              <a:solidFill>
+                <a:srgbClr val="000000"/>
+              </a:solidFill>
+              <a:latin typeface="Open Sans Light"/>
+              <a:ea typeface="Open Sans Light" charset="0"/>
+              <a:cs typeface="Open Sans Light"/>
+            </a:endParaRPr>
+          </a:p>
+        </p:txBody>
+      </p:sp>
+      <p:cxnSp>
+        <p:nvCxnSpPr>
+          <p:cNvPr id="91" name="Straight Connector 90"/>
+          <p:cNvCxnSpPr>
+            <a:stCxn id="28" idx="3"/>
+            <a:endCxn id="90" idx="1"/>
+          </p:cNvCxnSpPr>
+          <p:nvPr/>
+        </p:nvCxnSpPr>
+        <p:spPr>
+          <a:xfrm>
+            <a:off x="5436931" y="2779565"/>
+            <a:ext cx="337905" cy="0"/>
+          </a:xfrm>
+          <a:prstGeom prst="line">
+            <a:avLst/>
+          </a:prstGeom>
+          <a:ln>
+            <a:solidFill>
+              <a:srgbClr val="414042"/>
+            </a:solidFill>
+            <a:tailEnd type="triangle" w="lg" len="lg"/>
+          </a:ln>
+          <a:effectLst/>
+        </p:spPr>
+        <p:style>
+          <a:lnRef idx="2">
+            <a:schemeClr val="accent1"/>
+          </a:lnRef>
+          <a:fillRef idx="0">
+            <a:schemeClr val="accent1"/>
+          </a:fillRef>
+          <a:effectRef idx="1">
+            <a:schemeClr val="accent1"/>
+          </a:effectRef>
+          <a:fontRef idx="minor">
+            <a:schemeClr val="tx1"/>
+          </a:fontRef>
+        </p:style>
+      </p:cxnSp>
+      <p:cxnSp>
+        <p:nvCxnSpPr>
+          <p:cNvPr id="93" name="Straight Connector 71"/>
+          <p:cNvCxnSpPr>
+            <a:stCxn id="8" idx="1"/>
+            <a:endCxn id="68" idx="1"/>
+          </p:cNvCxnSpPr>
+          <p:nvPr/>
+        </p:nvCxnSpPr>
+        <p:spPr>
+          <a:xfrm rot="10800000" flipH="1" flipV="1">
+            <a:off x="1131157" y="1713493"/>
+            <a:ext cx="1" cy="1975360"/>
+          </a:xfrm>
+          <a:prstGeom prst="bentConnector3">
+            <a:avLst>
+              <a:gd name="adj1" fmla="val -22860000000"/>
+            </a:avLst>
+          </a:prstGeom>
+          <a:ln>
+            <a:solidFill>
+              <a:srgbClr val="414042"/>
+            </a:solidFill>
+            <a:headEnd type="triangle" w="lg" len="lg"/>
+            <a:tailEnd type="triangle" w="lg" len="lg"/>
+          </a:ln>
+          <a:effectLst/>
+        </p:spPr>
+        <p:style>
+          <a:lnRef idx="2">
+            <a:schemeClr val="accent1"/>
+          </a:lnRef>
+          <a:fillRef idx="0">
+            <a:schemeClr val="accent1"/>
+          </a:fillRef>
+          <a:effectRef idx="1">
+            <a:schemeClr val="accent1"/>
+          </a:effectRef>
+          <a:fontRef idx="minor">
+            <a:schemeClr val="tx1"/>
+          </a:fontRef>
+        </p:style>
+      </p:cxnSp>
+      <p:cxnSp>
+        <p:nvCxnSpPr>
+          <p:cNvPr id="40" name="Straight Connector 71"/>
+          <p:cNvCxnSpPr>
+            <a:stCxn id="68" idx="2"/>
+            <a:endCxn id="25" idx="1"/>
+          </p:cNvCxnSpPr>
+          <p:nvPr/>
+        </p:nvCxnSpPr>
+        <p:spPr>
+          <a:xfrm rot="16200000" flipH="1">
+            <a:off x="3688772" y="2068805"/>
+            <a:ext cx="126565" cy="4041641"/>
+          </a:xfrm>
+          <a:prstGeom prst="bentConnector2">
+            <a:avLst/>
+          </a:prstGeom>
+          <a:ln>
+            <a:solidFill>
+              <a:srgbClr val="414042"/>
+            </a:solidFill>
+            <a:headEnd type="triangle" w="lg" len="lg"/>
+            <a:tailEnd type="triangle" w="lg" len="lg"/>
+          </a:ln>
+          <a:effectLst/>
+        </p:spPr>
+        <p:style>
+          <a:lnRef idx="2">
+            <a:schemeClr val="accent1"/>
+          </a:lnRef>
+          <a:fillRef idx="0">
+            <a:schemeClr val="accent1"/>
+          </a:fillRef>
+          <a:effectRef idx="1">
+            <a:schemeClr val="accent1"/>
+          </a:effectRef>
+          <a:fontRef idx="minor">
+            <a:schemeClr val="tx1"/>
+          </a:fontRef>
+        </p:style>
+      </p:cxnSp>
+      <p:cxnSp>
+        <p:nvCxnSpPr>
+          <p:cNvPr id="43" name="Straight Connector 42"/>
+          <p:cNvCxnSpPr>
+            <a:stCxn id="25" idx="0"/>
+            <a:endCxn id="90" idx="2"/>
+          </p:cNvCxnSpPr>
+          <p:nvPr/>
+        </p:nvCxnSpPr>
+        <p:spPr>
+          <a:xfrm flipV="1">
+            <a:off x="6372950" y="3117056"/>
+            <a:ext cx="1961" cy="698362"/>
+          </a:xfrm>
+          <a:prstGeom prst="line">
+            <a:avLst/>
+          </a:prstGeom>
+          <a:ln>
+            <a:solidFill>
+              <a:srgbClr val="414042"/>
+            </a:solidFill>
+            <a:tailEnd type="triangle" w="lg" len="lg"/>
+          </a:ln>
+          <a:effectLst/>
+        </p:spPr>
+        <p:style>
+          <a:lnRef idx="2">
+            <a:schemeClr val="accent1"/>
+          </a:lnRef>
+          <a:fillRef idx="0">
+            <a:schemeClr val="accent1"/>
+          </a:fillRef>
+          <a:effectRef idx="1">
+            <a:schemeClr val="accent1"/>
+          </a:effectRef>
+          <a:fontRef idx="minor">
+            <a:schemeClr val="tx1"/>
+          </a:fontRef>
+        </p:style>
+      </p:cxnSp>
+      <p:sp>
+        <p:nvSpPr>
+          <p:cNvPr id="42" name="Rectangle 41"/>
+          <p:cNvSpPr/>
+          <p:nvPr/>
+        </p:nvSpPr>
+        <p:spPr>
+          <a:xfrm>
+            <a:off x="7278875" y="1359243"/>
+            <a:ext cx="1200150" cy="674982"/>
+          </a:xfrm>
+          <a:prstGeom prst="rect">
+            <a:avLst/>
+          </a:prstGeom>
+          <a:solidFill>
+            <a:schemeClr val="accent3"/>
+          </a:solidFill>
+          <a:ln>
+            <a:solidFill>
+              <a:schemeClr val="bg1"/>
+            </a:solidFill>
+          </a:ln>
+        </p:spPr>
+        <p:style>
+          <a:lnRef idx="2">
+            <a:schemeClr val="accent1">
+              <a:shade val="50000"/>
+            </a:schemeClr>
+          </a:lnRef>
+          <a:fillRef idx="1">
+            <a:schemeClr val="accent1"/>
+          </a:fillRef>
+          <a:effectRef idx="0">
+            <a:schemeClr val="accent1"/>
+          </a:effectRef>
+          <a:fontRef idx="minor">
+            <a:schemeClr val="lt1"/>
+          </a:fontRef>
+        </p:style>
+        <p:txBody>
+          <a:bodyPr lIns="68681" tIns="34340" rIns="68681" bIns="34340" anchor="ctr"/>
+          <a:lstStyle/>
+          <a:p>
+            <a:pPr algn="ctr" defTabSz="343403" eaLnBrk="1" fontAlgn="auto" hangingPunct="1">
+              <a:spcBef>
+                <a:spcPts val="0"/>
+              </a:spcBef>
+              <a:spcAft>
+                <a:spcPts val="0"/>
+              </a:spcAft>
+              <a:defRPr/>
+            </a:pPr>
+            <a:endParaRPr lang="en-US" sz="1800" dirty="0">
+              <a:latin typeface="Open Sans Light"/>
+              <a:ea typeface="Open Sans Light" charset="0"/>
+              <a:cs typeface="Open Sans Light"/>
+            </a:endParaRPr>
+          </a:p>
+        </p:txBody>
+      </p:sp>
+      <p:cxnSp>
+        <p:nvCxnSpPr>
+          <p:cNvPr id="44" name="Straight Connector 43"/>
+          <p:cNvCxnSpPr>
+            <a:endCxn id="42" idx="1"/>
+          </p:cNvCxnSpPr>
+          <p:nvPr/>
+        </p:nvCxnSpPr>
+        <p:spPr>
+          <a:xfrm>
+            <a:off x="6978394" y="1696734"/>
+            <a:ext cx="300481" cy="0"/>
+          </a:xfrm>
+          <a:prstGeom prst="line">
+            <a:avLst/>
+          </a:prstGeom>
+          <a:ln>
+            <a:solidFill>
+              <a:srgbClr val="414042"/>
+            </a:solidFill>
+            <a:tailEnd type="triangle" w="lg" len="lg"/>
+          </a:ln>
+          <a:effectLst/>
+        </p:spPr>
+        <p:style>
+          <a:lnRef idx="2">
+            <a:schemeClr val="accent1"/>
+          </a:lnRef>
+          <a:fillRef idx="0">
+            <a:schemeClr val="accent1"/>
+          </a:fillRef>
+          <a:effectRef idx="1">
+            <a:schemeClr val="accent1"/>
+          </a:effectRef>
+          <a:fontRef idx="minor">
+            <a:schemeClr val="tx1"/>
+          </a:fontRef>
+        </p:style>
+      </p:cxnSp>
+      <p:cxnSp>
+        <p:nvCxnSpPr>
+          <p:cNvPr id="48" name="Straight Connector 47"/>
+          <p:cNvCxnSpPr>
+            <a:stCxn id="50" idx="3"/>
+            <a:endCxn id="15" idx="0"/>
+          </p:cNvCxnSpPr>
+          <p:nvPr/>
+        </p:nvCxnSpPr>
+        <p:spPr>
+          <a:xfrm>
+            <a:off x="5436931" y="767424"/>
+            <a:ext cx="936019" cy="608578"/>
+          </a:xfrm>
+          <a:prstGeom prst="line">
+            <a:avLst/>
+          </a:prstGeom>
+          <a:ln>
+            <a:solidFill>
+              <a:srgbClr val="414042"/>
+            </a:solidFill>
+            <a:headEnd type="triangle" w="lg" len="lg"/>
+            <a:tailEnd type="triangle" w="lg" len="lg"/>
+          </a:ln>
+          <a:effectLst/>
+        </p:spPr>
+        <p:style>
+          <a:lnRef idx="2">
+            <a:schemeClr val="accent1"/>
+          </a:lnRef>
+          <a:fillRef idx="0">
+            <a:schemeClr val="accent1"/>
+          </a:fillRef>
+          <a:effectRef idx="1">
+            <a:schemeClr val="accent1"/>
+          </a:effectRef>
+          <a:fontRef idx="minor">
+            <a:schemeClr val="tx1"/>
+          </a:fontRef>
+        </p:style>
+      </p:cxnSp>
+      <p:cxnSp>
+        <p:nvCxnSpPr>
+          <p:cNvPr id="52" name="Straight Connector 51"/>
+          <p:cNvCxnSpPr>
+            <a:stCxn id="50" idx="3"/>
+            <a:endCxn id="42" idx="0"/>
+          </p:cNvCxnSpPr>
+          <p:nvPr/>
+        </p:nvCxnSpPr>
+        <p:spPr>
+          <a:xfrm>
+            <a:off x="5436931" y="767424"/>
+            <a:ext cx="2442019" cy="591819"/>
+          </a:xfrm>
+          <a:prstGeom prst="line">
+            <a:avLst/>
+          </a:prstGeom>
+          <a:ln>
+            <a:solidFill>
+              <a:srgbClr val="414042"/>
+            </a:solidFill>
+            <a:headEnd type="triangle" w="lg" len="lg"/>
+            <a:tailEnd type="triangle" w="lg" len="lg"/>
+          </a:ln>
+          <a:effectLst/>
+        </p:spPr>
+        <p:style>
+          <a:lnRef idx="2">
+            <a:schemeClr val="accent1"/>
+          </a:lnRef>
+          <a:fillRef idx="0">
+            <a:schemeClr val="accent1"/>
+          </a:fillRef>
+          <a:effectRef idx="1">
+            <a:schemeClr val="accent1"/>
+          </a:effectRef>
+          <a:fontRef idx="minor">
+            <a:schemeClr val="tx1"/>
+          </a:fontRef>
+        </p:style>
+      </p:cxnSp>
+      <p:sp>
+        <p:nvSpPr>
+          <p:cNvPr id="54" name="Rectangle 53"/>
+          <p:cNvSpPr/>
+          <p:nvPr/>
+        </p:nvSpPr>
+        <p:spPr>
+          <a:xfrm>
+            <a:off x="7283681" y="3814656"/>
+            <a:ext cx="1200150" cy="674982"/>
+          </a:xfrm>
+          <a:prstGeom prst="rect">
+            <a:avLst/>
+          </a:prstGeom>
+          <a:solidFill>
+            <a:srgbClr val="FF6600"/>
+          </a:solidFill>
+          <a:ln>
+            <a:solidFill>
+              <a:schemeClr val="bg1"/>
+            </a:solidFill>
+          </a:ln>
+        </p:spPr>
+        <p:style>
+          <a:lnRef idx="2">
+            <a:schemeClr val="accent1">
+              <a:shade val="50000"/>
+            </a:schemeClr>
+          </a:lnRef>
+          <a:fillRef idx="1">
+            <a:schemeClr val="accent1"/>
+          </a:fillRef>
+          <a:effectRef idx="0">
+            <a:schemeClr val="accent1"/>
+          </a:effectRef>
+          <a:fontRef idx="minor">
+            <a:schemeClr val="lt1"/>
+          </a:fontRef>
+        </p:style>
+        <p:txBody>
+          <a:bodyPr lIns="68681" tIns="34340" rIns="68681" bIns="34340" anchor="ctr"/>
+          <a:lstStyle/>
+          <a:p>
+            <a:pPr algn="ctr" defTabSz="343403" eaLnBrk="1" fontAlgn="auto" hangingPunct="1">
+              <a:spcBef>
+                <a:spcPts val="0"/>
+              </a:spcBef>
+              <a:spcAft>
+                <a:spcPts val="0"/>
+              </a:spcAft>
+              <a:defRPr/>
+            </a:pPr>
+            <a:endParaRPr lang="en-US" sz="1800" dirty="0">
+              <a:latin typeface="Open Sans Light"/>
+              <a:ea typeface="Open Sans Light" charset="0"/>
+              <a:cs typeface="Open Sans Light"/>
+            </a:endParaRPr>
+          </a:p>
+        </p:txBody>
+      </p:sp>
+      <p:cxnSp>
+        <p:nvCxnSpPr>
+          <p:cNvPr id="55" name="Straight Connector 54"/>
+          <p:cNvCxnSpPr>
+            <a:stCxn id="24" idx="2"/>
+            <a:endCxn id="54" idx="0"/>
+          </p:cNvCxnSpPr>
+          <p:nvPr/>
+        </p:nvCxnSpPr>
+        <p:spPr>
+          <a:xfrm>
+            <a:off x="7883755" y="3577119"/>
+            <a:ext cx="1" cy="237537"/>
+          </a:xfrm>
+          <a:prstGeom prst="line">
+            <a:avLst/>
+          </a:prstGeom>
+          <a:ln>
+            <a:solidFill>
+              <a:srgbClr val="414042"/>
+            </a:solidFill>
+            <a:tailEnd type="triangle" w="lg" len="lg"/>
+          </a:ln>
+          <a:effectLst/>
+        </p:spPr>
+        <p:style>
+          <a:lnRef idx="2">
+            <a:schemeClr val="accent1"/>
+          </a:lnRef>
+          <a:fillRef idx="0">
+            <a:schemeClr val="accent1"/>
+          </a:fillRef>
+          <a:effectRef idx="1">
+            <a:schemeClr val="accent1"/>
+          </a:effectRef>
+          <a:fontRef idx="minor">
+            <a:schemeClr val="tx1"/>
+          </a:fontRef>
+        </p:style>
+      </p:cxnSp>
+      <p:cxnSp>
+        <p:nvCxnSpPr>
+          <p:cNvPr id="61" name="Straight Connector 60"/>
+          <p:cNvCxnSpPr/>
+          <p:nvPr/>
+        </p:nvCxnSpPr>
+        <p:spPr>
+          <a:xfrm flipV="1">
+            <a:off x="2331308" y="1104915"/>
+            <a:ext cx="338158" cy="271087"/>
+          </a:xfrm>
+          <a:prstGeom prst="line">
+            <a:avLst/>
+          </a:prstGeom>
+          <a:ln>
+            <a:solidFill>
+              <a:srgbClr val="414042"/>
+            </a:solidFill>
+            <a:tailEnd type="triangle" w="lg" len="lg"/>
+          </a:ln>
+          <a:effectLst/>
+        </p:spPr>
+        <p:style>
+          <a:lnRef idx="2">
+            <a:schemeClr val="accent1"/>
+          </a:lnRef>
+          <a:fillRef idx="0">
+            <a:schemeClr val="accent1"/>
+          </a:fillRef>
+          <a:effectRef idx="1">
+            <a:schemeClr val="accent1"/>
+          </a:effectRef>
+          <a:fontRef idx="minor">
+            <a:schemeClr val="tx1"/>
+          </a:fontRef>
+        </p:style>
+      </p:cxnSp>
+      <p:sp>
+        <p:nvSpPr>
+          <p:cNvPr id="65" name="Title 1"/>
+          <p:cNvSpPr>
+            <a:spLocks noGrp="1"/>
+          </p:cNvSpPr>
+          <p:nvPr>
+            <p:ph type="title"/>
+          </p:nvPr>
+        </p:nvSpPr>
+        <p:spPr>
+          <a:xfrm rot="16200000">
+            <a:off x="-2083413" y="2304437"/>
+            <a:ext cx="4738326" cy="461962"/>
+          </a:xfrm>
+        </p:spPr>
+        <p:txBody>
+          <a:bodyPr/>
+          <a:lstStyle/>
+          <a:p>
+            <a:r>
+              <a:rPr lang="en-US" dirty="0" smtClean="0"/>
+              <a:t>Dependencies</a:t>
+            </a:r>
+            <a:endParaRPr lang="en-US" dirty="0"/>
+          </a:p>
+        </p:txBody>
+      </p:sp>
+      <p:sp>
+        <p:nvSpPr>
+          <p:cNvPr id="66" name="Rounded Rectangle 65"/>
+          <p:cNvSpPr/>
+          <p:nvPr/>
+        </p:nvSpPr>
+        <p:spPr>
+          <a:xfrm>
+            <a:off x="1540754" y="4105389"/>
+            <a:ext cx="3830746" cy="205513"/>
+          </a:xfrm>
+          <a:prstGeom prst="roundRect">
+            <a:avLst>
+              <a:gd name="adj" fmla="val 50000"/>
+            </a:avLst>
+          </a:prstGeom>
+          <a:noFill/>
+          <a:ln>
+            <a:noFill/>
+          </a:ln>
+          <a:effectLst/>
+        </p:spPr>
+        <p:style>
+          <a:lnRef idx="1">
+            <a:schemeClr val="accent1"/>
+          </a:lnRef>
+          <a:fillRef idx="3">
+            <a:schemeClr val="accent1"/>
+          </a:fillRef>
+          <a:effectRef idx="2">
+            <a:schemeClr val="accent1"/>
+          </a:effectRef>
+          <a:fontRef idx="minor">
+            <a:schemeClr val="lt1"/>
+          </a:fontRef>
+        </p:style>
+        <p:txBody>
+          <a:bodyPr anchor="t"/>
+          <a:lstStyle/>
+          <a:p>
+            <a:r>
+              <a:rPr lang="en-US" sz="600" dirty="0" smtClean="0">
+                <a:solidFill>
+                  <a:schemeClr val="bg1">
+                    <a:lumMod val="75000"/>
+                  </a:schemeClr>
+                </a:solidFill>
+                <a:latin typeface="Open Sans Light"/>
+                <a:cs typeface="Open Sans Light"/>
+              </a:rPr>
+              <a:t>evangelism-dependencies-v01.pptx Copyright 2016 Wilson Mar.  All rights reserved.</a:t>
+            </a:r>
+            <a:endParaRPr lang="en-US" sz="600" dirty="0">
+              <a:solidFill>
+                <a:schemeClr val="bg1">
+                  <a:lumMod val="75000"/>
+                </a:schemeClr>
+              </a:solidFill>
+              <a:latin typeface="Open Sans Light"/>
+              <a:cs typeface="Open Sans Light"/>
+            </a:endParaRPr>
+          </a:p>
+        </p:txBody>
+      </p:sp>
+    </p:spTree>
+    <p:extLst>
+      <p:ext uri="{BB962C8B-B14F-4D97-AF65-F5344CB8AC3E}">
+        <p14:creationId xmlns:p14="http://schemas.microsoft.com/office/powerpoint/2010/main" val="3214147163"/>
+      </p:ext>
+    </p:extLst>
+  </p:cSld>
+  <p:clrMapOvr>
+    <a:masterClrMapping/>
+  </p:clrMapOvr>
+  <p:timing>
+    <p:tnLst>
+      <p:par>
+        <p:cTn xmlns:p14="http://schemas.microsoft.com/office/powerpoint/2010/main" id="1" dur="indefinite" restart="never" nodeType="tmRoot"/>
+      </p:par>
+    </p:tnLst>
+  </p:timing>
+</p:sld>
+</file>
+
 <file path=ppt/theme/theme1.xml><?xml version="1.0" encoding="utf-8"?>
 <a:theme xmlns:a="http://schemas.openxmlformats.org/drawingml/2006/main" name="ConcurCorporateTemplate2013_Helvetica_16x9">
   <a:themeElements>
@@ -6857,7 +9183,7 @@
   <a:extraClrSchemeLst/>
   <a:extLst>
     <a:ext uri="{05A4C25C-085E-4340-85A3-A5531E510DB2}">
-      <thm15:themeFamily xmlns="" xmlns:thm15="http://schemas.microsoft.com/office/thememl/2012/main" name="ConcurCorporateTemplate2013_Helvetica_16x9" id="{A09BE1D0-94B0-44B7-9420-2ECF7BB955CC}" vid="{59E5CBDF-7240-4762-BDFB-AAFD424E1AE9}"/>
+      <thm15:themeFamily xmlns:thm15="http://schemas.microsoft.com/office/thememl/2012/main" xmlns="" name="ConcurCorporateTemplate2013_Helvetica_16x9" id="{A09BE1D0-94B0-44B7-9420-2ECF7BB955CC}" vid="{59E5CBDF-7240-4762-BDFB-AAFD424E1AE9}"/>
     </a:ext>
   </a:extLst>
 </a:theme>
